--- a/05.Hook into Apps for Office/05.Hook into Apps for Office.pptx
+++ b/05.Hook into Apps for Office/05.Hook into Apps for Office.pptx
@@ -182,10 +182,10 @@
       </p14:sectionLst>
     </p:ext>
     <p:ext uri="{EFAFB233-063F-42B5-8137-9DF3F51BA10A}">
-      <p15:sldGuideLst xmlns:p15="http://schemas.microsoft.com/office/powerpoint/2012/main"/>
+      <p15:sldGuideLst xmlns:p15="http://schemas.microsoft.com/office/powerpoint/2012/main" xmlns=""/>
     </p:ext>
     <p:ext uri="{2D200454-40CA-4A62-9FC3-DE9A4176ACB9}">
-      <p15:notesGuideLst xmlns:p15="http://schemas.microsoft.com/office/powerpoint/2012/main">
+      <p15:notesGuideLst xmlns:p15="http://schemas.microsoft.com/office/powerpoint/2012/main" xmlns="">
         <p15:guide id="1" orient="horz" pos="2880">
           <p15:clr>
             <a:srgbClr val="A4A3A4"/>
@@ -207,11 +207,7 @@
   <p:cmAuthor id="0" name="Saku Uchikawa" initials="SU" lastIdx="11" clrIdx="0"/>
   <p:cmAuthor id="1" name="Mary Feil-Jacobs" initials="MFJ" lastIdx="43" clrIdx="1"/>
   <p:cmAuthor id="2" name="Sanjeevini Mittal" initials="SM" lastIdx="1" clrIdx="2">
-    <p:extLst>
-      <p:ext uri="{19B8F6BF-5375-455C-9EA6-DF929625EA0E}">
-        <p15:presenceInfo xmlns:p15="http://schemas.microsoft.com/office/powerpoint/2012/main" userId="a25184d55ffa7663" providerId="Windows Live"/>
-      </p:ext>
-    </p:extLst>
+    <p:extLst/>
   </p:cmAuthor>
   <p:cmAuthor id="3" name="Author" initials="A" lastIdx="61" clrIdx="3"/>
 </p:cmAuthorLst>
@@ -270,7 +266,7 @@
               <a:rPr lang="en-US" smtClean="0">
                 <a:latin typeface="Segoe UI" pitchFamily="34" charset="0"/>
               </a:rPr>
-              <a:t>8/28/2014</a:t>
+              <a:t>9/9/14</a:t>
             </a:fld>
             <a:endParaRPr lang="en-US" dirty="0">
               <a:latin typeface="Segoe UI" pitchFamily="34" charset="0"/>
@@ -533,7 +529,7 @@
           <a:p>
             <a:fld id="{E74353ED-ACB2-44BF-A903-985B0AF962B7}" type="datetime1">
               <a:rPr lang="en-US" smtClean="0"/>
-              <a:t>8/28/2014</a:t>
+              <a:t>9/9/14</a:t>
             </a:fld>
             <a:endParaRPr lang="en-US" dirty="0"/>
           </a:p>
@@ -1049,7 +1045,7 @@
           <a:p>
             <a:fld id="{F520EA6B-12B9-470C-8032-CF7B89111BB8}" type="datetime1">
               <a:rPr lang="en-US" smtClean="0"/>
-              <a:t>8/28/2014</a:t>
+              <a:t>9/9/14</a:t>
             </a:fld>
             <a:endParaRPr lang="en-US"/>
           </a:p>
@@ -1271,7 +1267,7 @@
           <a:p>
             <a:fld id="{FC5F0E7A-DD5F-4903-B380-98FDBDD8F972}" type="datetime1">
               <a:rPr lang="en-US" smtClean="0"/>
-              <a:t>8/28/2014</a:t>
+              <a:t>9/9/14</a:t>
             </a:fld>
             <a:endParaRPr lang="en-US"/>
           </a:p>
@@ -1485,7 +1481,7 @@
           <a:p>
             <a:fld id="{64469F49-A1F5-4E7A-A41B-14BD8D8FB2E1}" type="datetime1">
               <a:rPr lang="en-US" smtClean="0"/>
-              <a:t>8/28/2014</a:t>
+              <a:t>9/9/14</a:t>
             </a:fld>
             <a:endParaRPr lang="en-US"/>
           </a:p>
@@ -1882,7 +1878,7 @@
           <a:p>
             <a:fld id="{68584938-3506-4DA6-B670-23FF647A9E8B}" type="datetime1">
               <a:rPr lang="en-US" smtClean="0"/>
-              <a:t>8/28/2014</a:t>
+              <a:t>9/9/14</a:t>
             </a:fld>
             <a:endParaRPr lang="en-US"/>
           </a:p>
@@ -2153,7 +2149,7 @@
           <a:p>
             <a:fld id="{05E1850F-7595-48D2-899E-D3C1304F8E26}" type="datetime1">
               <a:rPr lang="en-US" smtClean="0"/>
-              <a:t>8/28/2014</a:t>
+              <a:t>9/9/14</a:t>
             </a:fld>
             <a:endParaRPr lang="en-US"/>
           </a:p>
@@ -2734,7 +2730,7 @@
           <a:p>
             <a:fld id="{B079C3B8-7366-4A44-A34B-3977080C19E7}" type="datetime1">
               <a:rPr lang="en-US" smtClean="0"/>
-              <a:t>8/28/2014</a:t>
+              <a:t>9/9/14</a:t>
             </a:fld>
             <a:endParaRPr lang="en-US" dirty="0"/>
           </a:p>
@@ -2919,7 +2915,7 @@
           <a:p>
             <a:fld id="{E74353ED-ACB2-44BF-A903-985B0AF962B7}" type="datetime1">
               <a:rPr lang="en-US" smtClean="0"/>
-              <a:t>8/28/2014</a:t>
+              <a:t>9/9/14</a:t>
             </a:fld>
             <a:endParaRPr lang="en-US" dirty="0"/>
           </a:p>
@@ -3081,7 +3077,7 @@
           <a:p>
             <a:fld id="{B079C3B8-7366-4A44-A34B-3977080C19E7}" type="datetime1">
               <a:rPr lang="en-US" smtClean="0"/>
-              <a:t>8/28/2014</a:t>
+              <a:t>9/9/14</a:t>
             </a:fld>
             <a:endParaRPr lang="en-US" dirty="0"/>
           </a:p>
@@ -3323,7 +3319,7 @@
           <a:p>
             <a:fld id="{0BB6559B-C68D-49B4-97AE-9BB74C417927}" type="datetime1">
               <a:rPr lang="en-US" smtClean="0"/>
-              <a:t>8/28/2014</a:t>
+              <a:t>9/9/14</a:t>
             </a:fld>
             <a:endParaRPr lang="en-US"/>
           </a:p>
@@ -3486,7 +3482,7 @@
           <a:p>
             <a:fld id="{015232D4-6E30-4A26-A2CA-8531DCB72EA6}" type="datetime1">
               <a:rPr lang="en-US" smtClean="0"/>
-              <a:t>8/28/2014</a:t>
+              <a:t>9/9/14</a:t>
             </a:fld>
             <a:endParaRPr lang="en-US"/>
           </a:p>
@@ -3866,7 +3862,7 @@
           <a:p>
             <a:fld id="{9FEEF74C-1007-402E-B0A6-22E0FEB3AB9E}" type="datetime1">
               <a:rPr lang="en-US" smtClean="0"/>
-              <a:t>8/28/2014</a:t>
+              <a:t>9/9/14</a:t>
             </a:fld>
             <a:endParaRPr lang="en-US"/>
           </a:p>
@@ -4099,7 +4095,7 @@
           <a:p>
             <a:fld id="{0963315D-FADD-47D1-B04E-85DCA5AF53D6}" type="datetime1">
               <a:rPr lang="en-US" smtClean="0"/>
-              <a:t>8/28/2014</a:t>
+              <a:t>9/9/14</a:t>
             </a:fld>
             <a:endParaRPr lang="en-US"/>
           </a:p>
@@ -4341,7 +4337,7 @@
           <a:p>
             <a:fld id="{F158C575-4F53-44CC-8D6E-CAE5944D2CEA}" type="datetime1">
               <a:rPr lang="en-US" smtClean="0"/>
-              <a:t>8/28/2014</a:t>
+              <a:t>9/9/14</a:t>
             </a:fld>
             <a:endParaRPr lang="en-US"/>
           </a:p>
@@ -4629,7 +4625,7 @@
           <a:p>
             <a:fld id="{520542AC-2E5E-4BC8-BBEE-E2E42C12BB55}" type="datetime1">
               <a:rPr lang="en-US" smtClean="0"/>
-              <a:t>8/28/2014</a:t>
+              <a:t>9/9/14</a:t>
             </a:fld>
             <a:endParaRPr lang="en-US"/>
           </a:p>
@@ -5046,7 +5042,7 @@
   <p:timing>
     <p:tnLst>
       <p:par>
-        <p:cTn id="1" dur="indefinite" restart="never" nodeType="tmRoot"/>
+        <p:cTn xmlns:p14="http://schemas.microsoft.com/office/powerpoint/2010/main" id="1" dur="indefinite" restart="never" nodeType="tmRoot"/>
       </p:par>
     </p:tnLst>
   </p:timing>
@@ -5414,7 +5410,7 @@
   <p:timing>
     <p:tnLst>
       <p:par>
-        <p:cTn id="1" dur="indefinite" restart="never" nodeType="tmRoot"/>
+        <p:cTn xmlns:p14="http://schemas.microsoft.com/office/powerpoint/2010/main" id="1" dur="indefinite" restart="never" nodeType="tmRoot"/>
       </p:par>
     </p:tnLst>
   </p:timing>
@@ -5782,7 +5778,7 @@
   <p:timing>
     <p:tnLst>
       <p:par>
-        <p:cTn id="1" dur="indefinite" restart="never" nodeType="tmRoot"/>
+        <p:cTn xmlns:p14="http://schemas.microsoft.com/office/powerpoint/2010/main" id="1" dur="indefinite" restart="never" nodeType="tmRoot"/>
       </p:par>
     </p:tnLst>
   </p:timing>
@@ -6155,7 +6151,7 @@
   <p:timing>
     <p:tnLst>
       <p:par>
-        <p:cTn id="1" dur="indefinite" restart="never" nodeType="tmRoot"/>
+        <p:cTn xmlns:p14="http://schemas.microsoft.com/office/powerpoint/2010/main" id="1" dur="indefinite" restart="never" nodeType="tmRoot"/>
       </p:par>
     </p:tnLst>
   </p:timing>
@@ -6455,7 +6451,7 @@
   <p:timing>
     <p:tnLst>
       <p:par>
-        <p:cTn id="1" dur="indefinite" restart="never" nodeType="tmRoot"/>
+        <p:cTn xmlns:p14="http://schemas.microsoft.com/office/powerpoint/2010/main" id="1" dur="indefinite" restart="never" nodeType="tmRoot"/>
       </p:par>
     </p:tnLst>
   </p:timing>
@@ -6794,7 +6790,7 @@
   <p:timing>
     <p:tnLst>
       <p:par>
-        <p:cTn id="1" dur="indefinite" restart="never" nodeType="tmRoot"/>
+        <p:cTn xmlns:p14="http://schemas.microsoft.com/office/powerpoint/2010/main" id="1" dur="indefinite" restart="never" nodeType="tmRoot"/>
       </p:par>
     </p:tnLst>
   </p:timing>
@@ -7167,7 +7163,7 @@
   <p:timing>
     <p:tnLst>
       <p:par>
-        <p:cTn id="1" dur="indefinite" restart="never" nodeType="tmRoot"/>
+        <p:cTn xmlns:p14="http://schemas.microsoft.com/office/powerpoint/2010/main" id="1" dur="indefinite" restart="never" nodeType="tmRoot"/>
       </p:par>
     </p:tnLst>
   </p:timing>
@@ -7540,7 +7536,7 @@
   <p:timing>
     <p:tnLst>
       <p:par>
-        <p:cTn id="1" dur="indefinite" restart="never" nodeType="tmRoot"/>
+        <p:cTn xmlns:p14="http://schemas.microsoft.com/office/powerpoint/2010/main" id="1" dur="indefinite" restart="never" nodeType="tmRoot"/>
       </p:par>
     </p:tnLst>
   </p:timing>
@@ -8263,7 +8259,7 @@
   <p:timing>
     <p:tnLst>
       <p:par>
-        <p:cTn id="1" dur="indefinite" restart="never" nodeType="tmRoot"/>
+        <p:cTn xmlns:p14="http://schemas.microsoft.com/office/powerpoint/2010/main" id="1" dur="indefinite" restart="never" nodeType="tmRoot"/>
       </p:par>
     </p:tnLst>
   </p:timing>
@@ -8444,12 +8440,12 @@
   <p:clrMapOvr>
     <a:masterClrMapping/>
   </p:clrMapOvr>
-  <p:transition>
+  <p:transition xmlns:p14="http://schemas.microsoft.com/office/powerpoint/2010/main">
     <p:fade/>
   </p:transition>
   <p:extLst>
     <p:ext uri="{DCECCB84-F9BA-43D5-87BE-67443E8EF086}">
-      <p15:sldGuideLst xmlns:p15="http://schemas.microsoft.com/office/powerpoint/2012/main">
+      <p15:sldGuideLst xmlns:p15="http://schemas.microsoft.com/office/powerpoint/2012/main" xmlns="">
         <p15:guide id="1" pos="288" userDrawn="1">
           <p15:clr>
             <a:srgbClr val="5ACBF0"/>
@@ -8585,13 +8581,13 @@
   <p:clrMapOvr>
     <a:masterClrMapping/>
   </p:clrMapOvr>
-  <p:transition>
+  <p:transition xmlns:p14="http://schemas.microsoft.com/office/powerpoint/2010/main">
     <p:fade/>
   </p:transition>
   <p:timing>
     <p:tnLst>
       <p:par>
-        <p:cTn id="1" dur="indefinite" restart="never" nodeType="tmRoot"/>
+        <p:cTn xmlns:p14="http://schemas.microsoft.com/office/powerpoint/2010/main" id="1" dur="indefinite" restart="never" nodeType="tmRoot"/>
       </p:par>
     </p:tnLst>
   </p:timing>
@@ -8625,13 +8621,13 @@
   <p:clrMapOvr>
     <a:masterClrMapping/>
   </p:clrMapOvr>
-  <p:transition>
+  <p:transition xmlns:p14="http://schemas.microsoft.com/office/powerpoint/2010/main">
     <p:fade/>
   </p:transition>
   <p:timing>
     <p:tnLst>
       <p:par>
-        <p:cTn id="1" dur="indefinite" restart="never" nodeType="tmRoot"/>
+        <p:cTn xmlns:p14="http://schemas.microsoft.com/office/powerpoint/2010/main" id="1" dur="indefinite" restart="never" nodeType="tmRoot"/>
       </p:par>
     </p:tnLst>
   </p:timing>
@@ -8940,7 +8936,7 @@
   <p:clrMapOvr>
     <a:masterClrMapping/>
   </p:clrMapOvr>
-  <p:transition>
+  <p:transition xmlns:p14="http://schemas.microsoft.com/office/powerpoint/2010/main">
     <p:fade/>
   </p:transition>
 </p:sldLayout>
@@ -9052,13 +9048,13 @@
   <p:clrMapOvr>
     <a:masterClrMapping/>
   </p:clrMapOvr>
-  <p:transition>
+  <p:transition xmlns:p14="http://schemas.microsoft.com/office/powerpoint/2010/main">
     <p:fade/>
   </p:transition>
   <p:timing>
     <p:tnLst>
       <p:par>
-        <p:cTn id="1" dur="indefinite" restart="never" nodeType="tmRoot">
+        <p:cTn xmlns:p14="http://schemas.microsoft.com/office/powerpoint/2010/main" id="1" dur="indefinite" restart="never" nodeType="tmRoot">
           <p:childTnLst>
             <p:seq concurrent="1" nextAc="seek">
               <p:cTn id="2" dur="indefinite" nodeType="mainSeq">
@@ -9514,13 +9510,13 @@
   <p:clrMapOvr>
     <a:masterClrMapping/>
   </p:clrMapOvr>
-  <p:transition>
+  <p:transition xmlns:p14="http://schemas.microsoft.com/office/powerpoint/2010/main">
     <p:fade/>
   </p:transition>
   <p:timing>
     <p:tnLst>
       <p:par>
-        <p:cTn id="1" dur="indefinite" restart="never" nodeType="tmRoot"/>
+        <p:cTn xmlns:p14="http://schemas.microsoft.com/office/powerpoint/2010/main" id="1" dur="indefinite" restart="never" nodeType="tmRoot"/>
       </p:par>
     </p:tnLst>
   </p:timing>
@@ -9769,13 +9765,13 @@
   <p:clrMapOvr>
     <a:masterClrMapping/>
   </p:clrMapOvr>
-  <p:transition>
+  <p:transition xmlns:p14="http://schemas.microsoft.com/office/powerpoint/2010/main">
     <p:fade/>
   </p:transition>
   <p:timing>
     <p:tnLst>
       <p:par>
-        <p:cTn id="1" dur="indefinite" restart="never" nodeType="tmRoot"/>
+        <p:cTn xmlns:p14="http://schemas.microsoft.com/office/powerpoint/2010/main" id="1" dur="indefinite" restart="never" nodeType="tmRoot"/>
       </p:par>
     </p:tnLst>
   </p:timing>
@@ -10055,13 +10051,13 @@
   <p:clrMapOvr>
     <a:masterClrMapping/>
   </p:clrMapOvr>
-  <p:transition>
+  <p:transition xmlns:p14="http://schemas.microsoft.com/office/powerpoint/2010/main">
     <p:fade/>
   </p:transition>
   <p:timing>
     <p:tnLst>
       <p:par>
-        <p:cTn id="1" dur="indefinite" restart="never" nodeType="tmRoot"/>
+        <p:cTn xmlns:p14="http://schemas.microsoft.com/office/powerpoint/2010/main" id="1" dur="indefinite" restart="never" nodeType="tmRoot"/>
       </p:par>
     </p:tnLst>
   </p:timing>
@@ -10476,19 +10472,19 @@
   <p:clrMapOvr>
     <a:masterClrMapping/>
   </p:clrMapOvr>
-  <p:transition>
+  <p:transition xmlns:p14="http://schemas.microsoft.com/office/powerpoint/2010/main">
     <p:fade/>
   </p:transition>
   <p:timing>
     <p:tnLst>
       <p:par>
-        <p:cTn id="1" dur="indefinite" restart="never" nodeType="tmRoot"/>
+        <p:cTn xmlns:p14="http://schemas.microsoft.com/office/powerpoint/2010/main" id="1" dur="indefinite" restart="never" nodeType="tmRoot"/>
       </p:par>
     </p:tnLst>
   </p:timing>
   <p:extLst mod="1">
     <p:ext uri="{DCECCB84-F9BA-43D5-87BE-67443E8EF086}">
-      <p15:sldGuideLst xmlns:p15="http://schemas.microsoft.com/office/powerpoint/2012/main">
+      <p15:sldGuideLst xmlns:p15="http://schemas.microsoft.com/office/powerpoint/2012/main" xmlns="">
         <p15:guide id="1" orient="horz" pos="2203">
           <p15:clr>
             <a:srgbClr val="FBAE40"/>
@@ -10540,7 +10536,7 @@
   <p:clrMapOvr>
     <a:masterClrMapping/>
   </p:clrMapOvr>
-  <p:transition>
+  <p:transition xmlns:p14="http://schemas.microsoft.com/office/powerpoint/2010/main">
     <p:fade/>
   </p:transition>
 </p:sldLayout>
@@ -10596,13 +10592,13 @@
   <p:clrMapOvr>
     <a:masterClrMapping/>
   </p:clrMapOvr>
-  <p:transition>
+  <p:transition xmlns:p14="http://schemas.microsoft.com/office/powerpoint/2010/main">
     <p:fade/>
   </p:transition>
   <p:timing>
     <p:tnLst>
       <p:par>
-        <p:cTn id="1" dur="indefinite" restart="never" nodeType="tmRoot"/>
+        <p:cTn xmlns:p14="http://schemas.microsoft.com/office/powerpoint/2010/main" id="1" dur="indefinite" restart="never" nodeType="tmRoot"/>
       </p:par>
     </p:tnLst>
   </p:timing>
@@ -10718,13 +10714,13 @@
   <p:clrMapOvr>
     <a:masterClrMapping/>
   </p:clrMapOvr>
-  <p:transition>
+  <p:transition xmlns:p14="http://schemas.microsoft.com/office/powerpoint/2010/main">
     <p:fade/>
   </p:transition>
   <p:timing>
     <p:tnLst>
       <p:par>
-        <p:cTn id="1" dur="indefinite" restart="never" nodeType="tmRoot"/>
+        <p:cTn xmlns:p14="http://schemas.microsoft.com/office/powerpoint/2010/main" id="1" dur="indefinite" restart="never" nodeType="tmRoot"/>
       </p:par>
     </p:tnLst>
   </p:timing>
@@ -11027,7 +11023,7 @@
   <p:timing>
     <p:tnLst>
       <p:par>
-        <p:cTn id="1" dur="indefinite" restart="never" nodeType="tmRoot"/>
+        <p:cTn xmlns:p14="http://schemas.microsoft.com/office/powerpoint/2010/main" id="1" dur="indefinite" restart="never" nodeType="tmRoot"/>
       </p:par>
     </p:tnLst>
   </p:timing>
@@ -11061,7 +11057,7 @@
   <p:clrMapOvr>
     <a:masterClrMapping/>
   </p:clrMapOvr>
-  <p:transition>
+  <p:transition xmlns:p14="http://schemas.microsoft.com/office/powerpoint/2010/main">
     <p:fade/>
   </p:transition>
 </p:sldLayout>
@@ -11351,13 +11347,13 @@
   <p:clrMapOvr>
     <a:masterClrMapping/>
   </p:clrMapOvr>
-  <p:transition>
+  <p:transition xmlns:p14="http://schemas.microsoft.com/office/powerpoint/2010/main">
     <p:fade/>
   </p:transition>
   <p:timing>
     <p:tnLst>
       <p:par>
-        <p:cTn id="1" dur="indefinite" restart="never" nodeType="tmRoot"/>
+        <p:cTn xmlns:p14="http://schemas.microsoft.com/office/powerpoint/2010/main" id="1" dur="indefinite" restart="never" nodeType="tmRoot"/>
       </p:par>
     </p:tnLst>
   </p:timing>
@@ -11500,7 +11496,7 @@
   <p:timing>
     <p:tnLst>
       <p:par>
-        <p:cTn id="1" dur="indefinite" restart="never" nodeType="tmRoot"/>
+        <p:cTn xmlns:p14="http://schemas.microsoft.com/office/powerpoint/2010/main" id="1" dur="indefinite" restart="never" nodeType="tmRoot"/>
       </p:par>
     </p:tnLst>
   </p:timing>
@@ -11966,7 +11962,7 @@
   <p:timing>
     <p:tnLst>
       <p:par>
-        <p:cTn id="1" dur="indefinite" restart="never" nodeType="tmRoot"/>
+        <p:cTn xmlns:p14="http://schemas.microsoft.com/office/powerpoint/2010/main" id="1" dur="indefinite" restart="never" nodeType="tmRoot"/>
       </p:par>
     </p:tnLst>
   </p:timing>
@@ -12149,7 +12145,7 @@
   <p:timing>
     <p:tnLst>
       <p:par>
-        <p:cTn id="1" dur="indefinite" restart="never" nodeType="tmRoot"/>
+        <p:cTn xmlns:p14="http://schemas.microsoft.com/office/powerpoint/2010/main" id="1" dur="indefinite" restart="never" nodeType="tmRoot"/>
       </p:par>
     </p:tnLst>
   </p:timing>
@@ -12428,13 +12424,13 @@
   <p:clrMapOvr>
     <a:masterClrMapping/>
   </p:clrMapOvr>
-  <p:transition>
+  <p:transition xmlns:p14="http://schemas.microsoft.com/office/powerpoint/2010/main">
     <p:fade/>
   </p:transition>
   <p:timing>
     <p:tnLst>
       <p:par>
-        <p:cTn id="1" dur="indefinite" restart="never" nodeType="tmRoot"/>
+        <p:cTn xmlns:p14="http://schemas.microsoft.com/office/powerpoint/2010/main" id="1" dur="indefinite" restart="never" nodeType="tmRoot"/>
       </p:par>
     </p:tnLst>
   </p:timing>
@@ -12683,13 +12679,13 @@
   <p:clrMapOvr>
     <a:masterClrMapping/>
   </p:clrMapOvr>
-  <p:transition>
+  <p:transition xmlns:p14="http://schemas.microsoft.com/office/powerpoint/2010/main">
     <p:fade/>
   </p:transition>
   <p:timing>
     <p:tnLst>
       <p:par>
-        <p:cTn id="1" dur="indefinite" restart="never" nodeType="tmRoot"/>
+        <p:cTn xmlns:p14="http://schemas.microsoft.com/office/powerpoint/2010/main" id="1" dur="indefinite" restart="never" nodeType="tmRoot"/>
       </p:par>
     </p:tnLst>
   </p:timing>
@@ -12897,13 +12893,13 @@
   <p:clrMapOvr>
     <a:masterClrMapping/>
   </p:clrMapOvr>
-  <p:transition>
+  <p:transition xmlns:p14="http://schemas.microsoft.com/office/powerpoint/2010/main">
     <p:fade/>
   </p:transition>
   <p:timing>
     <p:tnLst>
       <p:par>
-        <p:cTn id="1" dur="indefinite" restart="never" nodeType="tmRoot"/>
+        <p:cTn xmlns:p14="http://schemas.microsoft.com/office/powerpoint/2010/main" id="1" dur="indefinite" restart="never" nodeType="tmRoot"/>
       </p:par>
     </p:tnLst>
   </p:timing>
@@ -13125,13 +13121,13 @@
   <p:clrMapOvr>
     <a:masterClrMapping/>
   </p:clrMapOvr>
-  <p:transition>
+  <p:transition xmlns:p14="http://schemas.microsoft.com/office/powerpoint/2010/main">
     <p:fade/>
   </p:transition>
   <p:timing>
     <p:tnLst>
       <p:par>
-        <p:cTn id="1" dur="indefinite" restart="never" nodeType="tmRoot"/>
+        <p:cTn xmlns:p14="http://schemas.microsoft.com/office/powerpoint/2010/main" id="1" dur="indefinite" restart="never" nodeType="tmRoot"/>
       </p:par>
     </p:tnLst>
   </p:timing>
@@ -13381,13 +13377,13 @@
   <p:clrMapOvr>
     <a:masterClrMapping/>
   </p:clrMapOvr>
-  <p:transition>
+  <p:transition xmlns:p14="http://schemas.microsoft.com/office/powerpoint/2010/main">
     <p:fade/>
   </p:transition>
   <p:timing>
     <p:tnLst>
       <p:par>
-        <p:cTn id="1" dur="indefinite" restart="never" nodeType="tmRoot"/>
+        <p:cTn xmlns:p14="http://schemas.microsoft.com/office/powerpoint/2010/main" id="1" dur="indefinite" restart="never" nodeType="tmRoot"/>
       </p:par>
     </p:tnLst>
   </p:timing>
@@ -13709,13 +13705,13 @@
   <p:clrMapOvr>
     <a:masterClrMapping/>
   </p:clrMapOvr>
-  <p:transition>
+  <p:transition xmlns:p14="http://schemas.microsoft.com/office/powerpoint/2010/main">
     <p:fade/>
   </p:transition>
   <p:timing>
     <p:tnLst>
       <p:par>
-        <p:cTn id="1" dur="indefinite" restart="never" nodeType="tmRoot"/>
+        <p:cTn xmlns:p14="http://schemas.microsoft.com/office/powerpoint/2010/main" id="1" dur="indefinite" restart="never" nodeType="tmRoot"/>
       </p:par>
     </p:tnLst>
   </p:timing>
@@ -13939,13 +13935,13 @@
   <p:clrMapOvr>
     <a:masterClrMapping/>
   </p:clrMapOvr>
-  <p:transition>
+  <p:transition xmlns:p14="http://schemas.microsoft.com/office/powerpoint/2010/main">
     <p:fade/>
   </p:transition>
   <p:timing>
     <p:tnLst>
       <p:par>
-        <p:cTn id="1" dur="indefinite" restart="never" nodeType="tmRoot"/>
+        <p:cTn xmlns:p14="http://schemas.microsoft.com/office/powerpoint/2010/main" id="1" dur="indefinite" restart="never" nodeType="tmRoot"/>
       </p:par>
     </p:tnLst>
   </p:timing>
@@ -14187,13 +14183,13 @@
   <p:clrMapOvr>
     <a:masterClrMapping/>
   </p:clrMapOvr>
-  <p:transition>
+  <p:transition xmlns:p14="http://schemas.microsoft.com/office/powerpoint/2010/main">
     <p:fade/>
   </p:transition>
   <p:timing>
     <p:tnLst>
       <p:par>
-        <p:cTn id="1" dur="indefinite" restart="never" nodeType="tmRoot"/>
+        <p:cTn xmlns:p14="http://schemas.microsoft.com/office/powerpoint/2010/main" id="1" dur="indefinite" restart="never" nodeType="tmRoot"/>
       </p:par>
     </p:tnLst>
   </p:timing>
@@ -14400,13 +14396,13 @@
   <p:clrMapOvr>
     <a:masterClrMapping/>
   </p:clrMapOvr>
-  <p:transition>
+  <p:transition xmlns:p14="http://schemas.microsoft.com/office/powerpoint/2010/main">
     <p:fade/>
   </p:transition>
   <p:timing>
     <p:tnLst>
       <p:par>
-        <p:cTn id="1" dur="indefinite" restart="never" nodeType="tmRoot"/>
+        <p:cTn xmlns:p14="http://schemas.microsoft.com/office/powerpoint/2010/main" id="1" dur="indefinite" restart="never" nodeType="tmRoot"/>
       </p:par>
     </p:tnLst>
   </p:timing>
@@ -14441,13 +14437,13 @@
   <p:clrMapOvr>
     <a:masterClrMapping/>
   </p:clrMapOvr>
-  <p:transition>
+  <p:transition xmlns:p14="http://schemas.microsoft.com/office/powerpoint/2010/main">
     <p:fade/>
   </p:transition>
   <p:timing>
     <p:tnLst>
       <p:par>
-        <p:cTn id="1" dur="indefinite" restart="never" nodeType="tmRoot"/>
+        <p:cTn xmlns:p14="http://schemas.microsoft.com/office/powerpoint/2010/main" id="1" dur="indefinite" restart="never" nodeType="tmRoot"/>
       </p:par>
     </p:tnLst>
   </p:timing>
@@ -14727,13 +14723,13 @@
   <p:clrMapOvr>
     <a:masterClrMapping/>
   </p:clrMapOvr>
-  <p:transition>
+  <p:transition xmlns:p14="http://schemas.microsoft.com/office/powerpoint/2010/main">
     <p:fade/>
   </p:transition>
   <p:timing>
     <p:tnLst>
       <p:par>
-        <p:cTn id="1" dur="indefinite" restart="never" nodeType="tmRoot"/>
+        <p:cTn xmlns:p14="http://schemas.microsoft.com/office/powerpoint/2010/main" id="1" dur="indefinite" restart="never" nodeType="tmRoot"/>
       </p:par>
     </p:tnLst>
   </p:timing>
@@ -14854,7 +14850,7 @@
   <p:timing>
     <p:tnLst>
       <p:par>
-        <p:cTn id="1" dur="indefinite" restart="never" nodeType="tmRoot"/>
+        <p:cTn xmlns:p14="http://schemas.microsoft.com/office/powerpoint/2010/main" id="1" dur="indefinite" restart="never" nodeType="tmRoot"/>
       </p:par>
     </p:tnLst>
   </p:timing>
@@ -14896,13 +14892,13 @@
   <p:clrMapOvr>
     <a:masterClrMapping/>
   </p:clrMapOvr>
-  <p:transition>
+  <p:transition xmlns:p14="http://schemas.microsoft.com/office/powerpoint/2010/main">
     <p:fade/>
   </p:transition>
   <p:timing>
     <p:tnLst>
       <p:par>
-        <p:cTn id="1" dur="indefinite" restart="never" nodeType="tmRoot"/>
+        <p:cTn xmlns:p14="http://schemas.microsoft.com/office/powerpoint/2010/main" id="1" dur="indefinite" restart="never" nodeType="tmRoot"/>
       </p:par>
     </p:tnLst>
   </p:timing>
@@ -15060,13 +15056,13 @@
   <p:clrMapOvr>
     <a:masterClrMapping/>
   </p:clrMapOvr>
-  <p:transition>
+  <p:transition xmlns:p14="http://schemas.microsoft.com/office/powerpoint/2010/main">
     <p:fade/>
   </p:transition>
   <p:timing>
     <p:tnLst>
       <p:par>
-        <p:cTn id="1" dur="indefinite" restart="never" nodeType="tmRoot"/>
+        <p:cTn xmlns:p14="http://schemas.microsoft.com/office/powerpoint/2010/main" id="1" dur="indefinite" restart="never" nodeType="tmRoot"/>
       </p:par>
     </p:tnLst>
   </p:timing>
@@ -15330,7 +15326,7 @@
   <p:timing>
     <p:tnLst>
       <p:par>
-        <p:cTn id="1" dur="indefinite" restart="never" nodeType="tmRoot"/>
+        <p:cTn xmlns:p14="http://schemas.microsoft.com/office/powerpoint/2010/main" id="1" dur="indefinite" restart="never" nodeType="tmRoot"/>
       </p:par>
     </p:tnLst>
   </p:timing>
@@ -15594,7 +15590,7 @@
   <p:timing>
     <p:tnLst>
       <p:par>
-        <p:cTn id="1" dur="indefinite" restart="never" nodeType="tmRoot"/>
+        <p:cTn xmlns:p14="http://schemas.microsoft.com/office/powerpoint/2010/main" id="1" dur="indefinite" restart="never" nodeType="tmRoot"/>
       </p:par>
     </p:tnLst>
   </p:timing>
@@ -15915,13 +15911,13 @@
   <p:clrMapOvr>
     <a:masterClrMapping/>
   </p:clrMapOvr>
-  <p:transition>
+  <p:transition xmlns:p14="http://schemas.microsoft.com/office/powerpoint/2010/main">
     <p:fade/>
   </p:transition>
   <p:timing>
     <p:tnLst>
       <p:par>
-        <p:cTn id="1" dur="indefinite" restart="never" nodeType="tmRoot"/>
+        <p:cTn xmlns:p14="http://schemas.microsoft.com/office/powerpoint/2010/main" id="1" dur="indefinite" restart="never" nodeType="tmRoot"/>
       </p:par>
     </p:tnLst>
   </p:timing>
@@ -16185,7 +16181,7 @@
   <p:timing>
     <p:tnLst>
       <p:par>
-        <p:cTn id="1" dur="indefinite" restart="never" nodeType="tmRoot"/>
+        <p:cTn xmlns:p14="http://schemas.microsoft.com/office/powerpoint/2010/main" id="1" dur="indefinite" restart="never" nodeType="tmRoot"/>
       </p:par>
     </p:tnLst>
   </p:timing>
@@ -16449,7 +16445,7 @@
   <p:timing>
     <p:tnLst>
       <p:par>
-        <p:cTn id="1" dur="indefinite" restart="never" nodeType="tmRoot"/>
+        <p:cTn xmlns:p14="http://schemas.microsoft.com/office/powerpoint/2010/main" id="1" dur="indefinite" restart="never" nodeType="tmRoot"/>
       </p:par>
     </p:tnLst>
   </p:timing>
@@ -16713,7 +16709,7 @@
   <p:timing>
     <p:tnLst>
       <p:par>
-        <p:cTn id="1" dur="indefinite" restart="never" nodeType="tmRoot"/>
+        <p:cTn xmlns:p14="http://schemas.microsoft.com/office/powerpoint/2010/main" id="1" dur="indefinite" restart="never" nodeType="tmRoot"/>
       </p:par>
     </p:tnLst>
   </p:timing>
@@ -17139,19 +17135,19 @@
   <p:clrMapOvr>
     <a:masterClrMapping/>
   </p:clrMapOvr>
-  <p:transition>
+  <p:transition xmlns:p14="http://schemas.microsoft.com/office/powerpoint/2010/main">
     <p:fade/>
   </p:transition>
   <p:timing>
     <p:tnLst>
       <p:par>
-        <p:cTn id="1" dur="indefinite" restart="never" nodeType="tmRoot"/>
+        <p:cTn xmlns:p14="http://schemas.microsoft.com/office/powerpoint/2010/main" id="1" dur="indefinite" restart="never" nodeType="tmRoot"/>
       </p:par>
     </p:tnLst>
   </p:timing>
   <p:extLst mod="1">
     <p:ext uri="{DCECCB84-F9BA-43D5-87BE-67443E8EF086}">
-      <p15:sldGuideLst xmlns:p15="http://schemas.microsoft.com/office/powerpoint/2012/main">
+      <p15:sldGuideLst xmlns:p15="http://schemas.microsoft.com/office/powerpoint/2012/main" xmlns="">
         <p15:guide id="1" orient="horz" pos="2203">
           <p15:clr>
             <a:srgbClr val="FBAE40"/>
@@ -17438,13 +17434,13 @@
   <p:clrMapOvr>
     <a:masterClrMapping/>
   </p:clrMapOvr>
-  <p:transition>
+  <p:transition xmlns:p14="http://schemas.microsoft.com/office/powerpoint/2010/main">
     <p:fade/>
   </p:transition>
   <p:timing>
     <p:tnLst>
       <p:par>
-        <p:cTn id="1" dur="indefinite" restart="never" nodeType="tmRoot"/>
+        <p:cTn xmlns:p14="http://schemas.microsoft.com/office/powerpoint/2010/main" id="1" dur="indefinite" restart="never" nodeType="tmRoot"/>
       </p:par>
     </p:tnLst>
   </p:timing>
@@ -17997,13 +17993,13 @@
   <p:clrMapOvr>
     <a:masterClrMapping/>
   </p:clrMapOvr>
-  <p:transition>
+  <p:transition xmlns:p14="http://schemas.microsoft.com/office/powerpoint/2010/main">
     <p:fade/>
   </p:transition>
   <p:timing>
     <p:tnLst>
       <p:par>
-        <p:cTn id="1" dur="indefinite" restart="never" nodeType="tmRoot"/>
+        <p:cTn xmlns:p14="http://schemas.microsoft.com/office/powerpoint/2010/main" id="1" dur="indefinite" restart="never" nodeType="tmRoot"/>
       </p:par>
     </p:tnLst>
   </p:timing>
@@ -18604,7 +18600,7 @@
   <p:clrMapOvr>
     <a:masterClrMapping/>
   </p:clrMapOvr>
-  <p:transition>
+  <p:transition xmlns:p14="http://schemas.microsoft.com/office/powerpoint/2010/main">
     <p:fade/>
   </p:transition>
 </p:sldLayout>
@@ -19123,7 +19119,7 @@
   <p:clrMapOvr>
     <a:masterClrMapping/>
   </p:clrMapOvr>
-  <p:transition>
+  <p:transition xmlns:p14="http://schemas.microsoft.com/office/powerpoint/2010/main">
     <p:fade/>
   </p:transition>
 </p:sldLayout>
@@ -19283,13 +19279,13 @@
     <p:sldLayoutId id="2147484557" r:id="rId26"/>
     <p:sldLayoutId id="2147484558" r:id="rId27"/>
   </p:sldLayoutIdLst>
-  <p:transition>
+  <p:transition xmlns:p14="http://schemas.microsoft.com/office/powerpoint/2010/main">
     <p:fade/>
   </p:transition>
   <p:timing>
     <p:tnLst>
       <p:par>
-        <p:cTn id="1" dur="indefinite" restart="never" nodeType="tmRoot"/>
+        <p:cTn xmlns:p14="http://schemas.microsoft.com/office/powerpoint/2010/main" id="1" dur="indefinite" restart="never" nodeType="tmRoot"/>
       </p:par>
     </p:tnLst>
   </p:timing>
@@ -19650,7 +19646,7 @@
   </p:txStyles>
   <p:extLst>
     <p:ext uri="{27BBF7A9-308A-43DC-89C8-2F10F3537804}">
-      <p15:sldGuideLst xmlns:p15="http://schemas.microsoft.com/office/powerpoint/2012/main">
+      <p15:sldGuideLst xmlns:p15="http://schemas.microsoft.com/office/powerpoint/2012/main" xmlns="">
         <p15:guide id="1" pos="173" userDrawn="1">
           <p15:clr>
             <a:srgbClr val="000000"/>
@@ -19948,13 +19944,13 @@
   <p:sldLayoutIdLst>
     <p:sldLayoutId id="2147484477" r:id="rId1"/>
   </p:sldLayoutIdLst>
-  <p:transition>
+  <p:transition xmlns:p14="http://schemas.microsoft.com/office/powerpoint/2010/main">
     <p:fade/>
   </p:transition>
   <p:timing>
     <p:tnLst>
       <p:par>
-        <p:cTn id="1" dur="indefinite" restart="never" nodeType="tmRoot"/>
+        <p:cTn xmlns:p14="http://schemas.microsoft.com/office/powerpoint/2010/main" id="1" dur="indefinite" restart="never" nodeType="tmRoot"/>
       </p:par>
     </p:tnLst>
   </p:timing>
@@ -20330,7 +20326,7 @@
   </p:txStyles>
   <p:extLst mod="1">
     <p:ext uri="{27BBF7A9-308A-43DC-89C8-2F10F3537804}">
-      <p15:sldGuideLst xmlns:p15="http://schemas.microsoft.com/office/powerpoint/2012/main">
+      <p15:sldGuideLst xmlns:p15="http://schemas.microsoft.com/office/powerpoint/2012/main" xmlns="">
         <p15:guide id="1" orient="horz" pos="187">
           <p15:clr>
             <a:srgbClr val="5ACBF0"/>
@@ -20603,13 +20599,13 @@
     <p:sldLayoutId id="2147484533" r:id="rId8"/>
     <p:sldLayoutId id="2147484555" r:id="rId9"/>
   </p:sldLayoutIdLst>
-  <p:transition>
+  <p:transition xmlns:p14="http://schemas.microsoft.com/office/powerpoint/2010/main">
     <p:fade/>
   </p:transition>
   <p:timing>
     <p:tnLst>
       <p:par>
-        <p:cTn id="1" dur="indefinite" restart="never" nodeType="tmRoot"/>
+        <p:cTn xmlns:p14="http://schemas.microsoft.com/office/powerpoint/2010/main" id="1" dur="indefinite" restart="never" nodeType="tmRoot"/>
       </p:par>
     </p:tnLst>
   </p:timing>
@@ -20970,7 +20966,7 @@
   </p:txStyles>
   <p:extLst mod="1">
     <p:ext uri="{27BBF7A9-308A-43DC-89C8-2F10F3537804}">
-      <p15:sldGuideLst xmlns:p15="http://schemas.microsoft.com/office/powerpoint/2012/main">
+      <p15:sldGuideLst xmlns:p15="http://schemas.microsoft.com/office/powerpoint/2012/main" xmlns="">
         <p15:guide id="1" orient="horz" pos="283">
           <p15:clr>
             <a:srgbClr val="F26B43"/>
@@ -21606,13 +21602,13 @@
     <p:sldLayoutId id="2147484549" r:id="rId15"/>
     <p:sldLayoutId id="2147484556" r:id="rId16"/>
   </p:sldLayoutIdLst>
-  <p:transition>
+  <p:transition xmlns:p14="http://schemas.microsoft.com/office/powerpoint/2010/main">
     <p:fade/>
   </p:transition>
   <p:timing>
     <p:tnLst>
       <p:par>
-        <p:cTn id="1" dur="indefinite" restart="never" nodeType="tmRoot"/>
+        <p:cTn xmlns:p14="http://schemas.microsoft.com/office/powerpoint/2010/main" id="1" dur="indefinite" restart="never" nodeType="tmRoot"/>
       </p:par>
     </p:tnLst>
   </p:timing>
@@ -22026,7 +22022,7 @@
   <p:timing>
     <p:tnLst>
       <p:par>
-        <p:cTn id="1" dur="indefinite" restart="never" nodeType="tmRoot"/>
+        <p:cTn xmlns:p14="http://schemas.microsoft.com/office/powerpoint/2010/main" id="1" dur="indefinite" restart="never" nodeType="tmRoot"/>
       </p:par>
     </p:tnLst>
   </p:timing>
@@ -22211,7 +22207,7 @@
   <p:timing>
     <p:tnLst>
       <p:par>
-        <p:cTn id="1" dur="indefinite" restart="never" nodeType="tmRoot"/>
+        <p:cTn xmlns:p14="http://schemas.microsoft.com/office/powerpoint/2010/main" id="1" dur="indefinite" restart="never" nodeType="tmRoot"/>
       </p:par>
     </p:tnLst>
   </p:timing>
@@ -22390,7 +22386,7 @@
   <p:timing>
     <p:tnLst>
       <p:par>
-        <p:cTn id="1" dur="indefinite" restart="never" nodeType="tmRoot"/>
+        <p:cTn xmlns:p14="http://schemas.microsoft.com/office/powerpoint/2010/main" id="1" dur="indefinite" restart="never" nodeType="tmRoot"/>
       </p:par>
     </p:tnLst>
   </p:timing>
@@ -22474,13 +22470,13 @@
   <p:clrMapOvr>
     <a:masterClrMapping/>
   </p:clrMapOvr>
-  <p:transition>
+  <p:transition xmlns:p14="http://schemas.microsoft.com/office/powerpoint/2010/main">
     <p:fade/>
   </p:transition>
   <p:timing>
     <p:tnLst>
       <p:par>
-        <p:cTn id="1" dur="indefinite" restart="never" nodeType="tmRoot"/>
+        <p:cTn xmlns:p14="http://schemas.microsoft.com/office/powerpoint/2010/main" id="1" dur="indefinite" restart="never" nodeType="tmRoot"/>
       </p:par>
     </p:tnLst>
   </p:timing>
@@ -22630,7 +22626,7 @@
   <p:timing>
     <p:tnLst>
       <p:par>
-        <p:cTn id="1" dur="indefinite" restart="never" nodeType="tmRoot"/>
+        <p:cTn xmlns:p14="http://schemas.microsoft.com/office/powerpoint/2010/main" id="1" dur="indefinite" restart="never" nodeType="tmRoot"/>
       </p:par>
     </p:tnLst>
   </p:timing>
@@ -22829,7 +22825,7 @@
   <p:timing>
     <p:tnLst>
       <p:par>
-        <p:cTn id="1" dur="indefinite" restart="never" nodeType="tmRoot"/>
+        <p:cTn xmlns:p14="http://schemas.microsoft.com/office/powerpoint/2010/main" id="1" dur="indefinite" restart="never" nodeType="tmRoot"/>
       </p:par>
     </p:tnLst>
   </p:timing>
@@ -23078,7 +23074,7 @@
   <p:timing>
     <p:tnLst>
       <p:par>
-        <p:cTn id="1" dur="indefinite" restart="never" nodeType="tmRoot"/>
+        <p:cTn xmlns:p14="http://schemas.microsoft.com/office/powerpoint/2010/main" id="1" dur="indefinite" restart="never" nodeType="tmRoot"/>
       </p:par>
     </p:tnLst>
   </p:timing>
@@ -23177,7 +23173,7 @@
   <p:timing>
     <p:tnLst>
       <p:par>
-        <p:cTn id="1" dur="indefinite" restart="never" nodeType="tmRoot"/>
+        <p:cTn xmlns:p14="http://schemas.microsoft.com/office/powerpoint/2010/main" id="1" dur="indefinite" restart="never" nodeType="tmRoot"/>
       </p:par>
     </p:tnLst>
   </p:timing>
@@ -23326,13 +23322,13 @@
   <p:clrMapOvr>
     <a:masterClrMapping/>
   </p:clrMapOvr>
-  <p:transition>
+  <p:transition xmlns:p14="http://schemas.microsoft.com/office/powerpoint/2010/main">
     <p:fade/>
   </p:transition>
   <p:timing>
     <p:tnLst>
       <p:par>
-        <p:cTn id="1" dur="indefinite" restart="never" nodeType="tmRoot"/>
+        <p:cTn xmlns:p14="http://schemas.microsoft.com/office/powerpoint/2010/main" id="1" dur="indefinite" restart="never" nodeType="tmRoot"/>
       </p:par>
     </p:tnLst>
   </p:timing>
@@ -23431,7 +23427,7 @@
   <p:timing>
     <p:tnLst>
       <p:par>
-        <p:cTn id="1" dur="indefinite" restart="never" nodeType="tmRoot"/>
+        <p:cTn xmlns:p14="http://schemas.microsoft.com/office/powerpoint/2010/main" id="1" dur="indefinite" restart="never" nodeType="tmRoot"/>
       </p:par>
     </p:tnLst>
   </p:timing>
@@ -23608,7 +23604,7 @@
   <p:timing>
     <p:tnLst>
       <p:par>
-        <p:cTn id="1" dur="indefinite" restart="never" nodeType="tmRoot"/>
+        <p:cTn xmlns:p14="http://schemas.microsoft.com/office/powerpoint/2010/main" id="1" dur="indefinite" restart="never" nodeType="tmRoot"/>
       </p:par>
     </p:tnLst>
   </p:timing>
@@ -23680,7 +23676,7 @@
                 <a:gridCol w="11448519">
                   <a:extLst>
                     <a:ext uri="{9D8B030D-6E8A-4147-A177-3AD203B41FA5}">
-                      <a16:colId xmlns="" xmlns:a16="http://schemas.microsoft.com/office/drawing/2014/main" val="1253488153"/>
+                      <a16:colId xmlns:a16="http://schemas.microsoft.com/office/drawing/2014/main" xmlns="" val="1253488153"/>
                     </a:ext>
                   </a:extLst>
                 </a:gridCol>
@@ -23702,7 +23698,7 @@
                 </a:tc>
                 <a:extLst>
                   <a:ext uri="{0D108BD9-81ED-4DB2-BD59-A6C34878D82A}">
-                    <a16:rowId xmlns="" xmlns:a16="http://schemas.microsoft.com/office/drawing/2014/main" val="829859176"/>
+                    <a16:rowId xmlns:a16="http://schemas.microsoft.com/office/drawing/2014/main" xmlns="" val="829859176"/>
                   </a:ext>
                 </a:extLst>
               </a:tr>
@@ -23722,7 +23718,7 @@
                 </a:tc>
                 <a:extLst>
                   <a:ext uri="{0D108BD9-81ED-4DB2-BD59-A6C34878D82A}">
-                    <a16:rowId xmlns="" xmlns:a16="http://schemas.microsoft.com/office/drawing/2014/main" val="1946132611"/>
+                    <a16:rowId xmlns:a16="http://schemas.microsoft.com/office/drawing/2014/main" xmlns="" val="1946132611"/>
                   </a:ext>
                 </a:extLst>
               </a:tr>
@@ -23759,7 +23755,7 @@
                 </a:tc>
                 <a:extLst>
                   <a:ext uri="{0D108BD9-81ED-4DB2-BD59-A6C34878D82A}">
-                    <a16:rowId xmlns="" xmlns:a16="http://schemas.microsoft.com/office/drawing/2014/main" val="3204002662"/>
+                    <a16:rowId xmlns:a16="http://schemas.microsoft.com/office/drawing/2014/main" xmlns="" val="3204002662"/>
                   </a:ext>
                 </a:extLst>
               </a:tr>
@@ -23796,7 +23792,7 @@
                 </a:tc>
                 <a:extLst>
                   <a:ext uri="{0D108BD9-81ED-4DB2-BD59-A6C34878D82A}">
-                    <a16:rowId xmlns="" xmlns:a16="http://schemas.microsoft.com/office/drawing/2014/main" val="4266278162"/>
+                    <a16:rowId xmlns:a16="http://schemas.microsoft.com/office/drawing/2014/main" xmlns="" val="4266278162"/>
                   </a:ext>
                 </a:extLst>
               </a:tr>
@@ -23882,13 +23878,13 @@
   <p:clrMapOvr>
     <a:masterClrMapping/>
   </p:clrMapOvr>
-  <p:transition>
+  <p:transition xmlns:p14="http://schemas.microsoft.com/office/powerpoint/2010/main">
     <p:fade/>
   </p:transition>
   <p:timing>
     <p:tnLst>
       <p:par>
-        <p:cTn id="1" dur="indefinite" restart="never" nodeType="tmRoot"/>
+        <p:cTn xmlns:p14="http://schemas.microsoft.com/office/powerpoint/2010/main" id="1" dur="indefinite" restart="never" nodeType="tmRoot"/>
       </p:par>
     </p:tnLst>
   </p:timing>
@@ -24024,7 +24020,7 @@
   <p:timing>
     <p:tnLst>
       <p:par>
-        <p:cTn id="1" dur="indefinite" restart="never" nodeType="tmRoot"/>
+        <p:cTn xmlns:p14="http://schemas.microsoft.com/office/powerpoint/2010/main" id="1" dur="indefinite" restart="never" nodeType="tmRoot"/>
       </p:par>
     </p:tnLst>
   </p:timing>
@@ -24123,7 +24119,7 @@
   <p:timing>
     <p:tnLst>
       <p:par>
-        <p:cTn id="1" dur="indefinite" restart="never" nodeType="tmRoot"/>
+        <p:cTn xmlns:p14="http://schemas.microsoft.com/office/powerpoint/2010/main" id="1" dur="indefinite" restart="never" nodeType="tmRoot"/>
       </p:par>
     </p:tnLst>
   </p:timing>
@@ -24265,7 +24261,7 @@
   <p:timing>
     <p:tnLst>
       <p:par>
-        <p:cTn id="1" dur="indefinite" restart="never" nodeType="tmRoot"/>
+        <p:cTn xmlns:p14="http://schemas.microsoft.com/office/powerpoint/2010/main" id="1" dur="indefinite" restart="never" nodeType="tmRoot"/>
       </p:par>
     </p:tnLst>
   </p:timing>
@@ -24273,7 +24269,7 @@
 </file>
 
 <file path=ppt/slides/slide23.xml><?xml version="1.0" encoding="utf-8"?>
-<p:sld xmlns:a="http://schemas.openxmlformats.org/drawingml/2006/main" xmlns:r="http://schemas.openxmlformats.org/officeDocument/2006/relationships" xmlns:p="http://schemas.openxmlformats.org/presentationml/2006/main">
+<p:sld xmlns:a="http://schemas.openxmlformats.org/drawingml/2006/main" xmlns:r="http://schemas.openxmlformats.org/officeDocument/2006/relationships" xmlns:p="http://schemas.openxmlformats.org/presentationml/2006/main" show="0">
   <p:cSld>
     <p:spTree>
       <p:nvGrpSpPr>
@@ -24348,13 +24344,13 @@
   <p:clrMapOvr>
     <a:masterClrMapping/>
   </p:clrMapOvr>
-  <p:transition>
+  <p:transition xmlns:p14="http://schemas.microsoft.com/office/powerpoint/2010/main">
     <p:fade/>
   </p:transition>
   <p:timing>
     <p:tnLst>
       <p:par>
-        <p:cTn id="1" dur="indefinite" restart="never" nodeType="tmRoot"/>
+        <p:cTn xmlns:p14="http://schemas.microsoft.com/office/powerpoint/2010/main" id="1" dur="indefinite" restart="never" nodeType="tmRoot"/>
       </p:par>
     </p:tnLst>
   </p:timing>
@@ -24438,13 +24434,13 @@
   <p:clrMapOvr>
     <a:masterClrMapping/>
   </p:clrMapOvr>
-  <p:transition>
+  <p:transition xmlns:p14="http://schemas.microsoft.com/office/powerpoint/2010/main">
     <p:fade/>
   </p:transition>
   <p:timing>
     <p:tnLst>
       <p:par>
-        <p:cTn id="1" dur="indefinite" restart="never" nodeType="tmRoot"/>
+        <p:cTn xmlns:p14="http://schemas.microsoft.com/office/powerpoint/2010/main" id="1" dur="indefinite" restart="never" nodeType="tmRoot"/>
       </p:par>
     </p:tnLst>
   </p:timing>
@@ -24561,18 +24557,18 @@
   <p:clrMapOvr>
     <a:masterClrMapping/>
   </p:clrMapOvr>
-  <mc:AlternateContent xmlns:mc="http://schemas.openxmlformats.org/markup-compatibility/2006">
-    <mc:Choice xmlns:p14="http://schemas.microsoft.com/office/powerpoint/2010/main" Requires="p14">
+  <mc:AlternateContent xmlns:mc="http://schemas.openxmlformats.org/markup-compatibility/2006" xmlns:p14="http://schemas.microsoft.com/office/powerpoint/2010/main">
+    <mc:Choice Requires="p14">
       <p:transition p14:dur="0"/>
     </mc:Choice>
-    <mc:Fallback>
+    <mc:Fallback xmlns="">
       <p:transition/>
     </mc:Fallback>
   </mc:AlternateContent>
   <p:timing>
     <p:tnLst>
       <p:par>
-        <p:cTn id="1" dur="indefinite" restart="never" nodeType="tmRoot"/>
+        <p:cTn xmlns:p14="http://schemas.microsoft.com/office/powerpoint/2010/main" id="1" dur="indefinite" restart="never" nodeType="tmRoot"/>
       </p:par>
     </p:tnLst>
   </p:timing>
@@ -24814,13 +24810,13 @@
   <p:clrMapOvr>
     <a:masterClrMapping/>
   </p:clrMapOvr>
-  <p:transition>
+  <p:transition xmlns:p14="http://schemas.microsoft.com/office/powerpoint/2010/main">
     <p:fade/>
   </p:transition>
   <p:timing>
     <p:tnLst>
       <p:par>
-        <p:cTn id="1" dur="indefinite" restart="never" nodeType="tmRoot"/>
+        <p:cTn xmlns:p14="http://schemas.microsoft.com/office/powerpoint/2010/main" id="1" dur="indefinite" restart="never" nodeType="tmRoot"/>
       </p:par>
     </p:tnLst>
   </p:timing>
@@ -24974,13 +24970,13 @@
   <p:clrMapOvr>
     <a:masterClrMapping/>
   </p:clrMapOvr>
-  <p:transition>
+  <p:transition xmlns:p14="http://schemas.microsoft.com/office/powerpoint/2010/main">
     <p:fade/>
   </p:transition>
   <p:timing>
     <p:tnLst>
       <p:par>
-        <p:cTn id="1" dur="indefinite" restart="never" nodeType="tmRoot"/>
+        <p:cTn xmlns:p14="http://schemas.microsoft.com/office/powerpoint/2010/main" id="1" dur="indefinite" restart="never" nodeType="tmRoot"/>
       </p:par>
     </p:tnLst>
   </p:timing>
@@ -24988,7 +24984,7 @@
 </file>
 
 <file path=ppt/slides/slide28.xml><?xml version="1.0" encoding="utf-8"?>
-<p:sld xmlns:a="http://schemas.openxmlformats.org/drawingml/2006/main" xmlns:r="http://schemas.openxmlformats.org/officeDocument/2006/relationships" xmlns:p="http://schemas.openxmlformats.org/presentationml/2006/main">
+<p:sld xmlns:a="http://schemas.openxmlformats.org/drawingml/2006/main" xmlns:r="http://schemas.openxmlformats.org/officeDocument/2006/relationships" xmlns:p="http://schemas.openxmlformats.org/presentationml/2006/main" show="0">
   <p:cSld>
     <p:spTree>
       <p:nvGrpSpPr>
@@ -25067,13 +25063,13 @@
   <p:clrMapOvr>
     <a:masterClrMapping/>
   </p:clrMapOvr>
-  <p:transition>
+  <p:transition xmlns:p14="http://schemas.microsoft.com/office/powerpoint/2010/main">
     <p:fade/>
   </p:transition>
   <p:timing>
     <p:tnLst>
       <p:par>
-        <p:cTn id="1" dur="indefinite" restart="never" nodeType="tmRoot"/>
+        <p:cTn xmlns:p14="http://schemas.microsoft.com/office/powerpoint/2010/main" id="1" dur="indefinite" restart="never" nodeType="tmRoot"/>
       </p:par>
     </p:tnLst>
   </p:timing>
@@ -25216,7 +25212,7 @@
   <p:timing>
     <p:tnLst>
       <p:par>
-        <p:cTn id="1" dur="indefinite" restart="never" nodeType="tmRoot"/>
+        <p:cTn xmlns:p14="http://schemas.microsoft.com/office/powerpoint/2010/main" id="1" dur="indefinite" restart="never" nodeType="tmRoot"/>
       </p:par>
     </p:tnLst>
   </p:timing>
@@ -25312,13 +25308,13 @@
   <p:clrMapOvr>
     <a:masterClrMapping/>
   </p:clrMapOvr>
-  <p:transition>
+  <p:transition xmlns:p14="http://schemas.microsoft.com/office/powerpoint/2010/main">
     <p:fade/>
   </p:transition>
   <p:timing>
     <p:tnLst>
       <p:par>
-        <p:cTn id="1" dur="indefinite" restart="never" nodeType="tmRoot"/>
+        <p:cTn xmlns:p14="http://schemas.microsoft.com/office/powerpoint/2010/main" id="1" dur="indefinite" restart="never" nodeType="tmRoot"/>
       </p:par>
     </p:tnLst>
   </p:timing>
@@ -25513,7 +25509,7 @@
   <p:timing>
     <p:tnLst>
       <p:par>
-        <p:cTn id="1" dur="indefinite" restart="never" nodeType="tmRoot"/>
+        <p:cTn xmlns:p14="http://schemas.microsoft.com/office/powerpoint/2010/main" id="1" dur="indefinite" restart="never" nodeType="tmRoot"/>
       </p:par>
     </p:tnLst>
   </p:timing>
@@ -25656,7 +25652,7 @@
   <p:timing>
     <p:tnLst>
       <p:par>
-        <p:cTn id="1" dur="indefinite" restart="never" nodeType="tmRoot"/>
+        <p:cTn xmlns:p14="http://schemas.microsoft.com/office/powerpoint/2010/main" id="1" dur="indefinite" restart="never" nodeType="tmRoot"/>
       </p:par>
     </p:tnLst>
   </p:timing>
@@ -25733,13 +25729,13 @@
   <p:clrMapOvr>
     <a:masterClrMapping/>
   </p:clrMapOvr>
-  <p:transition>
+  <p:transition xmlns:p14="http://schemas.microsoft.com/office/powerpoint/2010/main">
     <p:fade/>
   </p:transition>
   <p:timing>
     <p:tnLst>
       <p:par>
-        <p:cTn id="1" dur="indefinite" restart="never" nodeType="tmRoot"/>
+        <p:cTn xmlns:p14="http://schemas.microsoft.com/office/powerpoint/2010/main" id="1" dur="indefinite" restart="never" nodeType="tmRoot"/>
       </p:par>
     </p:tnLst>
   </p:timing>
@@ -25909,7 +25905,7 @@
   <p:timing>
     <p:tnLst>
       <p:par>
-        <p:cTn id="1" dur="indefinite" restart="never" nodeType="tmRoot"/>
+        <p:cTn xmlns:p14="http://schemas.microsoft.com/office/powerpoint/2010/main" id="1" dur="indefinite" restart="never" nodeType="tmRoot"/>
       </p:par>
     </p:tnLst>
   </p:timing>
@@ -26038,14 +26034,14 @@
           </a:ln>
           <a:effectLst/>
           <a:extLst>
-            <a:ext uri="{909E8E84-426E-40DD-AFC4-6F175D3DCCD1}">
+            <a:ext uri="{909E8E84-426E-40dd-AFC4-6F175D3DCCD1}">
               <a14:hiddenFill xmlns:a14="http://schemas.microsoft.com/office/drawing/2010/main">
                 <a:solidFill>
                   <a:schemeClr val="accent1"/>
                 </a:solidFill>
               </a14:hiddenFill>
             </a:ext>
-            <a:ext uri="{91240B29-F687-4F45-9708-019B960494DF}">
+            <a:ext uri="{91240B29-F687-4f45-9708-019B960494DF}">
               <a14:hiddenLine xmlns:a14="http://schemas.microsoft.com/office/drawing/2010/main" w="9525">
                 <a:solidFill>
                   <a:schemeClr val="tx1"/>
@@ -26055,7 +26051,7 @@
                 <a:tailEnd/>
               </a14:hiddenLine>
             </a:ext>
-            <a:ext uri="{AF507438-7753-43E0-B8FC-AC1667EBCBE1}">
+            <a:ext uri="{AF507438-7753-43e0-B8FC-AC1667EBCBE1}">
               <a14:hiddenEffects xmlns:a14="http://schemas.microsoft.com/office/drawing/2010/main">
                 <a:effectLst>
                   <a:outerShdw dist="35921" dir="2700000" algn="ctr" rotWithShape="0">
@@ -26101,14 +26097,14 @@
           </a:ln>
           <a:effectLst/>
           <a:extLst>
-            <a:ext uri="{909E8E84-426E-40DD-AFC4-6F175D3DCCD1}">
+            <a:ext uri="{909E8E84-426E-40dd-AFC4-6F175D3DCCD1}">
               <a14:hiddenFill xmlns:a14="http://schemas.microsoft.com/office/drawing/2010/main">
                 <a:solidFill>
                   <a:schemeClr val="accent1"/>
                 </a:solidFill>
               </a14:hiddenFill>
             </a:ext>
-            <a:ext uri="{91240B29-F687-4F45-9708-019B960494DF}">
+            <a:ext uri="{91240B29-F687-4f45-9708-019B960494DF}">
               <a14:hiddenLine xmlns:a14="http://schemas.microsoft.com/office/drawing/2010/main" w="9525">
                 <a:solidFill>
                   <a:schemeClr val="tx1"/>
@@ -26118,7 +26114,7 @@
                 <a:tailEnd/>
               </a14:hiddenLine>
             </a:ext>
-            <a:ext uri="{AF507438-7753-43E0-B8FC-AC1667EBCBE1}">
+            <a:ext uri="{AF507438-7753-43e0-B8FC-AC1667EBCBE1}">
               <a14:hiddenEffects xmlns:a14="http://schemas.microsoft.com/office/drawing/2010/main">
                 <a:effectLst>
                   <a:outerShdw dist="35921" dir="2700000" algn="ctr" rotWithShape="0">
@@ -26191,14 +26187,14 @@
             </a:ln>
             <a:effectLst/>
             <a:extLst>
-              <a:ext uri="{909E8E84-426E-40DD-AFC4-6F175D3DCCD1}">
+              <a:ext uri="{909E8E84-426E-40dd-AFC4-6F175D3DCCD1}">
                 <a14:hiddenFill xmlns:a14="http://schemas.microsoft.com/office/drawing/2010/main">
                   <a:solidFill>
                     <a:schemeClr val="accent1"/>
                   </a:solidFill>
                 </a14:hiddenFill>
               </a:ext>
-              <a:ext uri="{91240B29-F687-4F45-9708-019B960494DF}">
+              <a:ext uri="{91240B29-F687-4f45-9708-019B960494DF}">
                 <a14:hiddenLine xmlns:a14="http://schemas.microsoft.com/office/drawing/2010/main" w="9525">
                   <a:solidFill>
                     <a:schemeClr val="tx1"/>
@@ -26208,7 +26204,7 @@
                   <a:tailEnd/>
                 </a14:hiddenLine>
               </a:ext>
-              <a:ext uri="{AF507438-7753-43E0-B8FC-AC1667EBCBE1}">
+              <a:ext uri="{AF507438-7753-43e0-B8FC-AC1667EBCBE1}">
                 <a14:hiddenEffects xmlns:a14="http://schemas.microsoft.com/office/drawing/2010/main">
                   <a:effectLst>
                     <a:outerShdw dist="35921" dir="2700000" algn="ctr" rotWithShape="0">
@@ -26255,14 +26251,14 @@
             </a:ln>
             <a:effectLst/>
             <a:extLst>
-              <a:ext uri="{909E8E84-426E-40DD-AFC4-6F175D3DCCD1}">
+              <a:ext uri="{909E8E84-426E-40dd-AFC4-6F175D3DCCD1}">
                 <a14:hiddenFill xmlns:a14="http://schemas.microsoft.com/office/drawing/2010/main">
                   <a:solidFill>
                     <a:schemeClr val="accent1"/>
                   </a:solidFill>
                 </a14:hiddenFill>
               </a:ext>
-              <a:ext uri="{91240B29-F687-4F45-9708-019B960494DF}">
+              <a:ext uri="{91240B29-F687-4f45-9708-019B960494DF}">
                 <a14:hiddenLine xmlns:a14="http://schemas.microsoft.com/office/drawing/2010/main" w="9525">
                   <a:solidFill>
                     <a:schemeClr val="tx1"/>
@@ -26272,7 +26268,7 @@
                   <a:tailEnd/>
                 </a14:hiddenLine>
               </a:ext>
-              <a:ext uri="{AF507438-7753-43E0-B8FC-AC1667EBCBE1}">
+              <a:ext uri="{AF507438-7753-43e0-B8FC-AC1667EBCBE1}">
                 <a14:hiddenEffects xmlns:a14="http://schemas.microsoft.com/office/drawing/2010/main">
                   <a:effectLst>
                     <a:outerShdw dist="35921" dir="2700000" algn="ctr" rotWithShape="0">
@@ -26319,14 +26315,14 @@
             </a:ln>
             <a:effectLst/>
             <a:extLst>
-              <a:ext uri="{909E8E84-426E-40DD-AFC4-6F175D3DCCD1}">
+              <a:ext uri="{909E8E84-426E-40dd-AFC4-6F175D3DCCD1}">
                 <a14:hiddenFill xmlns:a14="http://schemas.microsoft.com/office/drawing/2010/main">
                   <a:solidFill>
                     <a:schemeClr val="accent1"/>
                   </a:solidFill>
                 </a14:hiddenFill>
               </a:ext>
-              <a:ext uri="{91240B29-F687-4F45-9708-019B960494DF}">
+              <a:ext uri="{91240B29-F687-4f45-9708-019B960494DF}">
                 <a14:hiddenLine xmlns:a14="http://schemas.microsoft.com/office/drawing/2010/main" w="9525">
                   <a:solidFill>
                     <a:schemeClr val="tx1"/>
@@ -26336,7 +26332,7 @@
                   <a:tailEnd/>
                 </a14:hiddenLine>
               </a:ext>
-              <a:ext uri="{AF507438-7753-43E0-B8FC-AC1667EBCBE1}">
+              <a:ext uri="{AF507438-7753-43e0-B8FC-AC1667EBCBE1}">
                 <a14:hiddenEffects xmlns:a14="http://schemas.microsoft.com/office/drawing/2010/main">
                   <a:effectLst>
                     <a:outerShdw dist="35921" dir="2700000" algn="ctr" rotWithShape="0">
@@ -26370,7 +26366,7 @@
   <p:timing>
     <p:tnLst>
       <p:par>
-        <p:cTn id="1" dur="indefinite" restart="never" nodeType="tmRoot"/>
+        <p:cTn xmlns:p14="http://schemas.microsoft.com/office/powerpoint/2010/main" id="1" dur="indefinite" restart="never" nodeType="tmRoot"/>
       </p:par>
     </p:tnLst>
   </p:timing>
@@ -26531,7 +26527,7 @@
   <p:timing>
     <p:tnLst>
       <p:par>
-        <p:cTn id="1" dur="indefinite" restart="never" nodeType="tmRoot"/>
+        <p:cTn xmlns:p14="http://schemas.microsoft.com/office/powerpoint/2010/main" id="1" dur="indefinite" restart="never" nodeType="tmRoot"/>
       </p:par>
     </p:tnLst>
   </p:timing>
@@ -27264,7 +27260,7 @@
   <p:timing>
     <p:tnLst>
       <p:par>
-        <p:cTn id="1" dur="indefinite" restart="never" nodeType="tmRoot"/>
+        <p:cTn xmlns:p14="http://schemas.microsoft.com/office/powerpoint/2010/main" id="1" dur="indefinite" restart="never" nodeType="tmRoot"/>
       </p:par>
     </p:tnLst>
   </p:timing>
@@ -27558,7 +27554,7 @@
   <a:extraClrSchemeLst/>
   <a:extLst>
     <a:ext uri="{05A4C25C-085E-4340-85A3-A5531E510DB2}">
-      <thm15:themeFamily xmlns:thm15="http://schemas.microsoft.com/office/thememl/2012/main" name="Office_Template_16x9_WHITE.potx" id="{BAC85760-2BE3-4369-8D6A-792FA239637A}" vid="{0B6ECECE-D832-4A6D-9382-4D4E764C03DC}"/>
+      <thm15:themeFamily xmlns:thm15="http://schemas.microsoft.com/office/thememl/2012/main" xmlns="" name="Office_Template_16x9_WHITE.potx" id="{BAC85760-2BE3-4369-8D6A-792FA239637A}" vid="{0B6ECECE-D832-4A6D-9382-4D4E764C03DC}"/>
     </a:ext>
   </a:extLst>
 </a:theme>
@@ -27860,7 +27856,7 @@
   <a:extraClrSchemeLst/>
   <a:extLst>
     <a:ext uri="{05A4C25C-085E-4340-85A3-A5531E510DB2}">
-      <thm15:themeFamily xmlns:thm15="http://schemas.microsoft.com/office/thememl/2012/main" name="TENA14Speaker_PPT_Template [Read-Only]" id="{2A7DA4F6-E863-44BA-B064-9E5DF871FA15}" vid="{CA2D5409-25F5-4284-AE71-EC20238C5228}"/>
+      <thm15:themeFamily xmlns:thm15="http://schemas.microsoft.com/office/thememl/2012/main" xmlns="" name="TENA14Speaker_PPT_Template [Read-Only]" id="{2A7DA4F6-E863-44BA-B064-9E5DF871FA15}" vid="{CA2D5409-25F5-4284-AE71-EC20238C5228}"/>
     </a:ext>
   </a:extLst>
 </a:theme>
@@ -28153,7 +28149,7 @@
   <a:extraClrSchemeLst/>
   <a:extLst>
     <a:ext uri="{05A4C25C-085E-4340-85A3-A5531E510DB2}">
-      <thm15:themeFamily xmlns:thm15="http://schemas.microsoft.com/office/thememl/2012/main" name="Office_Template_16x9_WHITE.potx" id="{BAC85760-2BE3-4369-8D6A-792FA239637A}" vid="{0B6ECECE-D832-4A6D-9382-4D4E764C03DC}"/>
+      <thm15:themeFamily xmlns:thm15="http://schemas.microsoft.com/office/thememl/2012/main" xmlns="" name="Office_Template_16x9_WHITE.potx" id="{BAC85760-2BE3-4369-8D6A-792FA239637A}" vid="{0B6ECECE-D832-4A6D-9382-4D4E764C03DC}"/>
     </a:ext>
   </a:extLst>
 </a:theme>

--- a/05.Hook into Apps for Office/05.Hook into Apps for Office.pptx
+++ b/05.Hook into Apps for Office/05.Hook into Apps for Office.pptx
@@ -182,10 +182,10 @@
       </p14:sectionLst>
     </p:ext>
     <p:ext uri="{EFAFB233-063F-42B5-8137-9DF3F51BA10A}">
-      <p15:sldGuideLst xmlns:p15="http://schemas.microsoft.com/office/powerpoint/2012/main" xmlns=""/>
+      <p15:sldGuideLst xmlns="" xmlns:p15="http://schemas.microsoft.com/office/powerpoint/2012/main"/>
     </p:ext>
     <p:ext uri="{2D200454-40CA-4A62-9FC3-DE9A4176ACB9}">
-      <p15:notesGuideLst xmlns:p15="http://schemas.microsoft.com/office/powerpoint/2012/main" xmlns="">
+      <p15:notesGuideLst xmlns="" xmlns:p15="http://schemas.microsoft.com/office/powerpoint/2012/main">
         <p15:guide id="1" orient="horz" pos="2880">
           <p15:clr>
             <a:srgbClr val="A4A3A4"/>
@@ -266,7 +266,7 @@
               <a:rPr lang="en-US" smtClean="0">
                 <a:latin typeface="Segoe UI" pitchFamily="34" charset="0"/>
               </a:rPr>
-              <a:t>9/9/14</a:t>
+              <a:t>9/10/14</a:t>
             </a:fld>
             <a:endParaRPr lang="en-US" dirty="0">
               <a:latin typeface="Segoe UI" pitchFamily="34" charset="0"/>
@@ -529,7 +529,7 @@
           <a:p>
             <a:fld id="{E74353ED-ACB2-44BF-A903-985B0AF962B7}" type="datetime1">
               <a:rPr lang="en-US" smtClean="0"/>
-              <a:t>9/9/14</a:t>
+              <a:t>9/10/14</a:t>
             </a:fld>
             <a:endParaRPr lang="en-US" dirty="0"/>
           </a:p>
@@ -1045,7 +1045,7 @@
           <a:p>
             <a:fld id="{F520EA6B-12B9-470C-8032-CF7B89111BB8}" type="datetime1">
               <a:rPr lang="en-US" smtClean="0"/>
-              <a:t>9/9/14</a:t>
+              <a:t>9/10/14</a:t>
             </a:fld>
             <a:endParaRPr lang="en-US"/>
           </a:p>
@@ -1267,7 +1267,7 @@
           <a:p>
             <a:fld id="{FC5F0E7A-DD5F-4903-B380-98FDBDD8F972}" type="datetime1">
               <a:rPr lang="en-US" smtClean="0"/>
-              <a:t>9/9/14</a:t>
+              <a:t>9/10/14</a:t>
             </a:fld>
             <a:endParaRPr lang="en-US"/>
           </a:p>
@@ -1481,7 +1481,7 @@
           <a:p>
             <a:fld id="{64469F49-A1F5-4E7A-A41B-14BD8D8FB2E1}" type="datetime1">
               <a:rPr lang="en-US" smtClean="0"/>
-              <a:t>9/9/14</a:t>
+              <a:t>9/10/14</a:t>
             </a:fld>
             <a:endParaRPr lang="en-US"/>
           </a:p>
@@ -1878,7 +1878,7 @@
           <a:p>
             <a:fld id="{68584938-3506-4DA6-B670-23FF647A9E8B}" type="datetime1">
               <a:rPr lang="en-US" smtClean="0"/>
-              <a:t>9/9/14</a:t>
+              <a:t>9/10/14</a:t>
             </a:fld>
             <a:endParaRPr lang="en-US"/>
           </a:p>
@@ -2149,7 +2149,7 @@
           <a:p>
             <a:fld id="{05E1850F-7595-48D2-899E-D3C1304F8E26}" type="datetime1">
               <a:rPr lang="en-US" smtClean="0"/>
-              <a:t>9/9/14</a:t>
+              <a:t>9/10/14</a:t>
             </a:fld>
             <a:endParaRPr lang="en-US"/>
           </a:p>
@@ -2730,7 +2730,7 @@
           <a:p>
             <a:fld id="{B079C3B8-7366-4A44-A34B-3977080C19E7}" type="datetime1">
               <a:rPr lang="en-US" smtClean="0"/>
-              <a:t>9/9/14</a:t>
+              <a:t>9/10/14</a:t>
             </a:fld>
             <a:endParaRPr lang="en-US" dirty="0"/>
           </a:p>
@@ -2915,7 +2915,7 @@
           <a:p>
             <a:fld id="{E74353ED-ACB2-44BF-A903-985B0AF962B7}" type="datetime1">
               <a:rPr lang="en-US" smtClean="0"/>
-              <a:t>9/9/14</a:t>
+              <a:t>9/10/14</a:t>
             </a:fld>
             <a:endParaRPr lang="en-US" dirty="0"/>
           </a:p>
@@ -3077,7 +3077,7 @@
           <a:p>
             <a:fld id="{B079C3B8-7366-4A44-A34B-3977080C19E7}" type="datetime1">
               <a:rPr lang="en-US" smtClean="0"/>
-              <a:t>9/9/14</a:t>
+              <a:t>9/10/14</a:t>
             </a:fld>
             <a:endParaRPr lang="en-US" dirty="0"/>
           </a:p>
@@ -3319,7 +3319,7 @@
           <a:p>
             <a:fld id="{0BB6559B-C68D-49B4-97AE-9BB74C417927}" type="datetime1">
               <a:rPr lang="en-US" smtClean="0"/>
-              <a:t>9/9/14</a:t>
+              <a:t>9/10/14</a:t>
             </a:fld>
             <a:endParaRPr lang="en-US"/>
           </a:p>
@@ -3482,7 +3482,7 @@
           <a:p>
             <a:fld id="{015232D4-6E30-4A26-A2CA-8531DCB72EA6}" type="datetime1">
               <a:rPr lang="en-US" smtClean="0"/>
-              <a:t>9/9/14</a:t>
+              <a:t>9/10/14</a:t>
             </a:fld>
             <a:endParaRPr lang="en-US"/>
           </a:p>
@@ -3862,7 +3862,7 @@
           <a:p>
             <a:fld id="{9FEEF74C-1007-402E-B0A6-22E0FEB3AB9E}" type="datetime1">
               <a:rPr lang="en-US" smtClean="0"/>
-              <a:t>9/9/14</a:t>
+              <a:t>9/10/14</a:t>
             </a:fld>
             <a:endParaRPr lang="en-US"/>
           </a:p>
@@ -4095,7 +4095,7 @@
           <a:p>
             <a:fld id="{0963315D-FADD-47D1-B04E-85DCA5AF53D6}" type="datetime1">
               <a:rPr lang="en-US" smtClean="0"/>
-              <a:t>9/9/14</a:t>
+              <a:t>9/10/14</a:t>
             </a:fld>
             <a:endParaRPr lang="en-US"/>
           </a:p>
@@ -4337,7 +4337,7 @@
           <a:p>
             <a:fld id="{F158C575-4F53-44CC-8D6E-CAE5944D2CEA}" type="datetime1">
               <a:rPr lang="en-US" smtClean="0"/>
-              <a:t>9/9/14</a:t>
+              <a:t>9/10/14</a:t>
             </a:fld>
             <a:endParaRPr lang="en-US"/>
           </a:p>
@@ -4625,7 +4625,7 @@
           <a:p>
             <a:fld id="{520542AC-2E5E-4BC8-BBEE-E2E42C12BB55}" type="datetime1">
               <a:rPr lang="en-US" smtClean="0"/>
-              <a:t>9/9/14</a:t>
+              <a:t>9/10/14</a:t>
             </a:fld>
             <a:endParaRPr lang="en-US"/>
           </a:p>
@@ -8445,7 +8445,7 @@
   </p:transition>
   <p:extLst>
     <p:ext uri="{DCECCB84-F9BA-43D5-87BE-67443E8EF086}">
-      <p15:sldGuideLst xmlns:p15="http://schemas.microsoft.com/office/powerpoint/2012/main" xmlns="">
+      <p15:sldGuideLst xmlns="" xmlns:p15="http://schemas.microsoft.com/office/powerpoint/2012/main">
         <p15:guide id="1" pos="288" userDrawn="1">
           <p15:clr>
             <a:srgbClr val="5ACBF0"/>
@@ -10484,7 +10484,7 @@
   </p:timing>
   <p:extLst mod="1">
     <p:ext uri="{DCECCB84-F9BA-43D5-87BE-67443E8EF086}">
-      <p15:sldGuideLst xmlns:p15="http://schemas.microsoft.com/office/powerpoint/2012/main" xmlns="">
+      <p15:sldGuideLst xmlns="" xmlns:p15="http://schemas.microsoft.com/office/powerpoint/2012/main">
         <p15:guide id="1" orient="horz" pos="2203">
           <p15:clr>
             <a:srgbClr val="FBAE40"/>
@@ -17147,7 +17147,7 @@
   </p:timing>
   <p:extLst mod="1">
     <p:ext uri="{DCECCB84-F9BA-43D5-87BE-67443E8EF086}">
-      <p15:sldGuideLst xmlns:p15="http://schemas.microsoft.com/office/powerpoint/2012/main" xmlns="">
+      <p15:sldGuideLst xmlns="" xmlns:p15="http://schemas.microsoft.com/office/powerpoint/2012/main">
         <p15:guide id="1" orient="horz" pos="2203">
           <p15:clr>
             <a:srgbClr val="FBAE40"/>
@@ -19646,7 +19646,7 @@
   </p:txStyles>
   <p:extLst>
     <p:ext uri="{27BBF7A9-308A-43DC-89C8-2F10F3537804}">
-      <p15:sldGuideLst xmlns:p15="http://schemas.microsoft.com/office/powerpoint/2012/main" xmlns="">
+      <p15:sldGuideLst xmlns="" xmlns:p15="http://schemas.microsoft.com/office/powerpoint/2012/main">
         <p15:guide id="1" pos="173" userDrawn="1">
           <p15:clr>
             <a:srgbClr val="000000"/>
@@ -20326,7 +20326,7 @@
   </p:txStyles>
   <p:extLst mod="1">
     <p:ext uri="{27BBF7A9-308A-43DC-89C8-2F10F3537804}">
-      <p15:sldGuideLst xmlns:p15="http://schemas.microsoft.com/office/powerpoint/2012/main" xmlns="">
+      <p15:sldGuideLst xmlns="" xmlns:p15="http://schemas.microsoft.com/office/powerpoint/2012/main">
         <p15:guide id="1" orient="horz" pos="187">
           <p15:clr>
             <a:srgbClr val="5ACBF0"/>
@@ -20966,7 +20966,7 @@
   </p:txStyles>
   <p:extLst mod="1">
     <p:ext uri="{27BBF7A9-308A-43DC-89C8-2F10F3537804}">
-      <p15:sldGuideLst xmlns:p15="http://schemas.microsoft.com/office/powerpoint/2012/main" xmlns="">
+      <p15:sldGuideLst xmlns="" xmlns:p15="http://schemas.microsoft.com/office/powerpoint/2012/main">
         <p15:guide id="1" orient="horz" pos="283">
           <p15:clr>
             <a:srgbClr val="F26B43"/>
@@ -23659,7 +23659,11 @@
           </p:cNvGraphicFramePr>
           <p:nvPr>
             <p:ph sz="quarter" idx="10"/>
-            <p:extLst/>
+            <p:extLst>
+              <p:ext uri="{D42A27DB-BD31-4B8C-83A1-F6EECF244321}">
+                <p14:modId xmlns:p14="http://schemas.microsoft.com/office/powerpoint/2010/main" val="89743748"/>
+              </p:ext>
+            </p:extLst>
           </p:nvPr>
         </p:nvGraphicFramePr>
         <p:xfrm>
@@ -23676,7 +23680,7 @@
                 <a:gridCol w="11448519">
                   <a:extLst>
                     <a:ext uri="{9D8B030D-6E8A-4147-A177-3AD203B41FA5}">
-                      <a16:colId xmlns:a16="http://schemas.microsoft.com/office/drawing/2014/main" xmlns="" val="1253488153"/>
+                      <a16:colId xmlns="" xmlns:a16="http://schemas.microsoft.com/office/drawing/2014/main" val="1253488153"/>
                     </a:ext>
                   </a:extLst>
                 </a:gridCol>
@@ -23698,7 +23702,7 @@
                 </a:tc>
                 <a:extLst>
                   <a:ext uri="{0D108BD9-81ED-4DB2-BD59-A6C34878D82A}">
-                    <a16:rowId xmlns:a16="http://schemas.microsoft.com/office/drawing/2014/main" xmlns="" val="829859176"/>
+                    <a16:rowId xmlns="" xmlns:a16="http://schemas.microsoft.com/office/drawing/2014/main" val="829859176"/>
                   </a:ext>
                 </a:extLst>
               </a:tr>
@@ -23718,7 +23722,7 @@
                 </a:tc>
                 <a:extLst>
                   <a:ext uri="{0D108BD9-81ED-4DB2-BD59-A6C34878D82A}">
-                    <a16:rowId xmlns:a16="http://schemas.microsoft.com/office/drawing/2014/main" xmlns="" val="1946132611"/>
+                    <a16:rowId xmlns="" xmlns:a16="http://schemas.microsoft.com/office/drawing/2014/main" val="1946132611"/>
                   </a:ext>
                 </a:extLst>
               </a:tr>
@@ -23755,7 +23759,7 @@
                 </a:tc>
                 <a:extLst>
                   <a:ext uri="{0D108BD9-81ED-4DB2-BD59-A6C34878D82A}">
-                    <a16:rowId xmlns:a16="http://schemas.microsoft.com/office/drawing/2014/main" xmlns="" val="3204002662"/>
+                    <a16:rowId xmlns="" xmlns:a16="http://schemas.microsoft.com/office/drawing/2014/main" val="3204002662"/>
                   </a:ext>
                 </a:extLst>
               </a:tr>
@@ -23784,7 +23788,15 @@
                       </a:pPr>
                       <a:r>
                         <a:rPr lang="en-US" sz="2400" dirty="0" smtClean="0"/>
-                        <a:t>Module 3: Hooking into Apps for SharePoint</a:t>
+                        <a:t>Module 3: </a:t>
+                      </a:r>
+                      <a:r>
+                        <a:rPr lang="en-US" sz="2400" dirty="0" smtClean="0"/>
+                        <a:t>Hook </a:t>
+                      </a:r>
+                      <a:r>
+                        <a:rPr lang="en-US" sz="2400" dirty="0" smtClean="0"/>
+                        <a:t>into Apps for SharePoint</a:t>
                       </a:r>
                     </a:p>
                   </a:txBody>
@@ -23792,7 +23804,7 @@
                 </a:tc>
                 <a:extLst>
                   <a:ext uri="{0D108BD9-81ED-4DB2-BD59-A6C34878D82A}">
-                    <a16:rowId xmlns:a16="http://schemas.microsoft.com/office/drawing/2014/main" xmlns="" val="4266278162"/>
+                    <a16:rowId xmlns="" xmlns:a16="http://schemas.microsoft.com/office/drawing/2014/main" val="4266278162"/>
                   </a:ext>
                 </a:extLst>
               </a:tr>
@@ -23825,7 +23837,11 @@
                       </a:r>
                       <a:r>
                         <a:rPr lang="en-US" sz="2400" dirty="0" smtClean="0"/>
-                        <a:t>Hooking into Office 365 and SharePoint APIs with SPAs</a:t>
+                        <a:t>Hook </a:t>
+                      </a:r>
+                      <a:r>
+                        <a:rPr lang="en-US" sz="2400" dirty="0" smtClean="0"/>
+                        <a:t>into Office 365 and SharePoint APIs with SPAs</a:t>
                       </a:r>
                     </a:p>
                   </a:txBody>
@@ -23857,7 +23873,19 @@
                       </a:pPr>
                       <a:r>
                         <a:rPr lang="en-US" sz="2400" b="0" dirty="0" smtClean="0"/>
-                        <a:t>Module 5: Hooking into Apps for Office</a:t>
+                        <a:t>Module 5</a:t>
+                      </a:r>
+                      <a:r>
+                        <a:rPr lang="en-US" sz="2400" b="0" smtClean="0"/>
+                        <a:t>: </a:t>
+                      </a:r>
+                      <a:r>
+                        <a:rPr lang="en-US" sz="2400" b="0" smtClean="0"/>
+                        <a:t>Hook </a:t>
+                      </a:r>
+                      <a:r>
+                        <a:rPr lang="en-US" sz="2400" b="0" dirty="0" smtClean="0"/>
+                        <a:t>into Apps for Office</a:t>
                       </a:r>
                     </a:p>
                   </a:txBody>
@@ -27554,7 +27582,7 @@
   <a:extraClrSchemeLst/>
   <a:extLst>
     <a:ext uri="{05A4C25C-085E-4340-85A3-A5531E510DB2}">
-      <thm15:themeFamily xmlns:thm15="http://schemas.microsoft.com/office/thememl/2012/main" xmlns="" name="Office_Template_16x9_WHITE.potx" id="{BAC85760-2BE3-4369-8D6A-792FA239637A}" vid="{0B6ECECE-D832-4A6D-9382-4D4E764C03DC}"/>
+      <thm15:themeFamily xmlns="" xmlns:thm15="http://schemas.microsoft.com/office/thememl/2012/main" name="Office_Template_16x9_WHITE.potx" id="{BAC85760-2BE3-4369-8D6A-792FA239637A}" vid="{0B6ECECE-D832-4A6D-9382-4D4E764C03DC}"/>
     </a:ext>
   </a:extLst>
 </a:theme>
@@ -27856,7 +27884,7 @@
   <a:extraClrSchemeLst/>
   <a:extLst>
     <a:ext uri="{05A4C25C-085E-4340-85A3-A5531E510DB2}">
-      <thm15:themeFamily xmlns:thm15="http://schemas.microsoft.com/office/thememl/2012/main" xmlns="" name="TENA14Speaker_PPT_Template [Read-Only]" id="{2A7DA4F6-E863-44BA-B064-9E5DF871FA15}" vid="{CA2D5409-25F5-4284-AE71-EC20238C5228}"/>
+      <thm15:themeFamily xmlns="" xmlns:thm15="http://schemas.microsoft.com/office/thememl/2012/main" name="TENA14Speaker_PPT_Template [Read-Only]" id="{2A7DA4F6-E863-44BA-B064-9E5DF871FA15}" vid="{CA2D5409-25F5-4284-AE71-EC20238C5228}"/>
     </a:ext>
   </a:extLst>
 </a:theme>
@@ -28149,7 +28177,7 @@
   <a:extraClrSchemeLst/>
   <a:extLst>
     <a:ext uri="{05A4C25C-085E-4340-85A3-A5531E510DB2}">
-      <thm15:themeFamily xmlns:thm15="http://schemas.microsoft.com/office/thememl/2012/main" xmlns="" name="Office_Template_16x9_WHITE.potx" id="{BAC85760-2BE3-4369-8D6A-792FA239637A}" vid="{0B6ECECE-D832-4A6D-9382-4D4E764C03DC}"/>
+      <thm15:themeFamily xmlns="" xmlns:thm15="http://schemas.microsoft.com/office/thememl/2012/main" name="Office_Template_16x9_WHITE.potx" id="{BAC85760-2BE3-4369-8D6A-792FA239637A}" vid="{0B6ECECE-D832-4A6D-9382-4D4E764C03DC}"/>
     </a:ext>
   </a:extLst>
 </a:theme>

--- a/05.Hook into Apps for Office/05.Hook into Apps for Office.pptx
+++ b/05.Hook into Apps for Office/05.Hook into Apps for Office.pptx
@@ -151,6 +151,10 @@
             <p14:sldId id="1657"/>
             <p14:sldId id="1634"/>
             <p14:sldId id="1658"/>
+          </p14:sldIdLst>
+        </p14:section>
+        <p14:section name="Overview" id="{4CE34277-23A5-4B49-ABBE-630DDA0718A3}">
+          <p14:sldIdLst>
             <p14:sldId id="1636"/>
             <p14:sldId id="1680"/>
             <p14:sldId id="1681"/>
@@ -158,6 +162,10 @@
             <p14:sldId id="1683"/>
             <p14:sldId id="1684"/>
             <p14:sldId id="1685"/>
+          </p14:sldIdLst>
+        </p14:section>
+        <p14:section name="Apps for Word " id="{44DE380D-1D50-E64A-A342-F8CE76C58799}">
+          <p14:sldIdLst>
             <p14:sldId id="1659"/>
             <p14:sldId id="1688"/>
             <p14:sldId id="1689"/>
@@ -170,11 +178,19 @@
             <p14:sldId id="1696"/>
             <p14:sldId id="1697"/>
             <p14:sldId id="1677"/>
+          </p14:sldIdLst>
+        </p14:section>
+        <p14:section name="Apps for Outlook" id="{2523738E-5633-724C-8A4C-F23B1186C1D7}">
+          <p14:sldIdLst>
             <p14:sldId id="1686"/>
             <p14:sldId id="1699"/>
             <p14:sldId id="1702"/>
             <p14:sldId id="1701"/>
             <p14:sldId id="1687"/>
+          </p14:sldIdLst>
+        </p14:section>
+        <p14:section name="Summary" id="{EA1B201B-DE81-3242-94A6-E7CE19C0B7BB}">
+          <p14:sldIdLst>
             <p14:sldId id="1678"/>
             <p14:sldId id="1679"/>
           </p14:sldIdLst>
@@ -23788,15 +23804,7 @@
                       </a:pPr>
                       <a:r>
                         <a:rPr lang="en-US" sz="2400" dirty="0" smtClean="0"/>
-                        <a:t>Module 3: </a:t>
-                      </a:r>
-                      <a:r>
-                        <a:rPr lang="en-US" sz="2400" dirty="0" smtClean="0"/>
-                        <a:t>Hook </a:t>
-                      </a:r>
-                      <a:r>
-                        <a:rPr lang="en-US" sz="2400" dirty="0" smtClean="0"/>
-                        <a:t>into Apps for SharePoint</a:t>
+                        <a:t>Module 3: Hook into Apps for SharePoint</a:t>
                       </a:r>
                     </a:p>
                   </a:txBody>
@@ -23837,11 +23845,7 @@
                       </a:r>
                       <a:r>
                         <a:rPr lang="en-US" sz="2400" dirty="0" smtClean="0"/>
-                        <a:t>Hook </a:t>
-                      </a:r>
-                      <a:r>
-                        <a:rPr lang="en-US" sz="2400" dirty="0" smtClean="0"/>
-                        <a:t>into Office 365 and SharePoint APIs with SPAs</a:t>
+                        <a:t>Hook into Office 365 and SharePoint APIs with SPAs</a:t>
                       </a:r>
                     </a:p>
                   </a:txBody>
@@ -23877,11 +23881,7 @@
                       </a:r>
                       <a:r>
                         <a:rPr lang="en-US" sz="2400" b="0" smtClean="0"/>
-                        <a:t>: </a:t>
-                      </a:r>
-                      <a:r>
-                        <a:rPr lang="en-US" sz="2400" b="0" smtClean="0"/>
-                        <a:t>Hook </a:t>
+                        <a:t>: Hook </a:t>
                       </a:r>
                       <a:r>
                         <a:rPr lang="en-US" sz="2400" b="0" dirty="0" smtClean="0"/>
@@ -25281,7 +25281,7 @@
           <a:p>
             <a:r>
               <a:rPr lang="en-US" dirty="0" smtClean="0"/>
-              <a:t>Hooking </a:t>
+              <a:t>Hook </a:t>
             </a:r>
             <a:r>
               <a:rPr lang="en-US" dirty="0"/>

--- a/05.Hook into Apps for Office/05.Hook into Apps for Office.pptx
+++ b/05.Hook into Apps for Office/05.Hook into Apps for Office.pptx
@@ -198,10 +198,21 @@
       </p14:sectionLst>
     </p:ext>
     <p:ext uri="{EFAFB233-063F-42B5-8137-9DF3F51BA10A}">
-      <p15:sldGuideLst xmlns="" xmlns:p15="http://schemas.microsoft.com/office/powerpoint/2012/main"/>
+      <p15:sldGuideLst xmlns:p15="http://schemas.microsoft.com/office/powerpoint/2012/main">
+        <p15:guide id="1" orient="horz" pos="2203">
+          <p15:clr>
+            <a:srgbClr val="A4A3A4"/>
+          </p15:clr>
+        </p15:guide>
+        <p15:guide id="2" pos="3917">
+          <p15:clr>
+            <a:srgbClr val="A4A3A4"/>
+          </p15:clr>
+        </p15:guide>
+      </p15:sldGuideLst>
     </p:ext>
     <p:ext uri="{2D200454-40CA-4A62-9FC3-DE9A4176ACB9}">
-      <p15:notesGuideLst xmlns="" xmlns:p15="http://schemas.microsoft.com/office/powerpoint/2012/main">
+      <p15:notesGuideLst xmlns:p15="http://schemas.microsoft.com/office/powerpoint/2012/main">
         <p15:guide id="1" orient="horz" pos="2880">
           <p15:clr>
             <a:srgbClr val="A4A3A4"/>
@@ -282,7 +293,7 @@
               <a:rPr lang="en-US" smtClean="0">
                 <a:latin typeface="Segoe UI" pitchFamily="34" charset="0"/>
               </a:rPr>
-              <a:t>9/10/14</a:t>
+              <a:t>10/24/2014</a:t>
             </a:fld>
             <a:endParaRPr lang="en-US" dirty="0">
               <a:latin typeface="Segoe UI" pitchFamily="34" charset="0"/>
@@ -545,7 +556,7 @@
           <a:p>
             <a:fld id="{E74353ED-ACB2-44BF-A903-985B0AF962B7}" type="datetime1">
               <a:rPr lang="en-US" smtClean="0"/>
-              <a:t>9/10/14</a:t>
+              <a:t>10/24/2014</a:t>
             </a:fld>
             <a:endParaRPr lang="en-US" dirty="0"/>
           </a:p>
@@ -1061,7 +1072,7 @@
           <a:p>
             <a:fld id="{F520EA6B-12B9-470C-8032-CF7B89111BB8}" type="datetime1">
               <a:rPr lang="en-US" smtClean="0"/>
-              <a:t>9/10/14</a:t>
+              <a:t>10/24/2014</a:t>
             </a:fld>
             <a:endParaRPr lang="en-US"/>
           </a:p>
@@ -1283,7 +1294,7 @@
           <a:p>
             <a:fld id="{FC5F0E7A-DD5F-4903-B380-98FDBDD8F972}" type="datetime1">
               <a:rPr lang="en-US" smtClean="0"/>
-              <a:t>9/10/14</a:t>
+              <a:t>10/24/2014</a:t>
             </a:fld>
             <a:endParaRPr lang="en-US"/>
           </a:p>
@@ -1497,7 +1508,7 @@
           <a:p>
             <a:fld id="{64469F49-A1F5-4E7A-A41B-14BD8D8FB2E1}" type="datetime1">
               <a:rPr lang="en-US" smtClean="0"/>
-              <a:t>9/10/14</a:t>
+              <a:t>10/24/2014</a:t>
             </a:fld>
             <a:endParaRPr lang="en-US"/>
           </a:p>
@@ -1894,7 +1905,7 @@
           <a:p>
             <a:fld id="{68584938-3506-4DA6-B670-23FF647A9E8B}" type="datetime1">
               <a:rPr lang="en-US" smtClean="0"/>
-              <a:t>9/10/14</a:t>
+              <a:t>10/24/2014</a:t>
             </a:fld>
             <a:endParaRPr lang="en-US"/>
           </a:p>
@@ -2165,7 +2176,7 @@
           <a:p>
             <a:fld id="{05E1850F-7595-48D2-899E-D3C1304F8E26}" type="datetime1">
               <a:rPr lang="en-US" smtClean="0"/>
-              <a:t>9/10/14</a:t>
+              <a:t>10/24/2014</a:t>
             </a:fld>
             <a:endParaRPr lang="en-US"/>
           </a:p>
@@ -2746,7 +2757,7 @@
           <a:p>
             <a:fld id="{B079C3B8-7366-4A44-A34B-3977080C19E7}" type="datetime1">
               <a:rPr lang="en-US" smtClean="0"/>
-              <a:t>9/10/14</a:t>
+              <a:t>10/24/2014</a:t>
             </a:fld>
             <a:endParaRPr lang="en-US" dirty="0"/>
           </a:p>
@@ -2931,7 +2942,7 @@
           <a:p>
             <a:fld id="{E74353ED-ACB2-44BF-A903-985B0AF962B7}" type="datetime1">
               <a:rPr lang="en-US" smtClean="0"/>
-              <a:t>9/10/14</a:t>
+              <a:t>10/24/2014</a:t>
             </a:fld>
             <a:endParaRPr lang="en-US" dirty="0"/>
           </a:p>
@@ -3093,7 +3104,7 @@
           <a:p>
             <a:fld id="{B079C3B8-7366-4A44-A34B-3977080C19E7}" type="datetime1">
               <a:rPr lang="en-US" smtClean="0"/>
-              <a:t>9/10/14</a:t>
+              <a:t>10/24/2014</a:t>
             </a:fld>
             <a:endParaRPr lang="en-US" dirty="0"/>
           </a:p>
@@ -3335,7 +3346,7 @@
           <a:p>
             <a:fld id="{0BB6559B-C68D-49B4-97AE-9BB74C417927}" type="datetime1">
               <a:rPr lang="en-US" smtClean="0"/>
-              <a:t>9/10/14</a:t>
+              <a:t>10/24/2014</a:t>
             </a:fld>
             <a:endParaRPr lang="en-US"/>
           </a:p>
@@ -3498,7 +3509,7 @@
           <a:p>
             <a:fld id="{015232D4-6E30-4A26-A2CA-8531DCB72EA6}" type="datetime1">
               <a:rPr lang="en-US" smtClean="0"/>
-              <a:t>9/10/14</a:t>
+              <a:t>10/24/2014</a:t>
             </a:fld>
             <a:endParaRPr lang="en-US"/>
           </a:p>
@@ -3878,7 +3889,7 @@
           <a:p>
             <a:fld id="{9FEEF74C-1007-402E-B0A6-22E0FEB3AB9E}" type="datetime1">
               <a:rPr lang="en-US" smtClean="0"/>
-              <a:t>9/10/14</a:t>
+              <a:t>10/24/2014</a:t>
             </a:fld>
             <a:endParaRPr lang="en-US"/>
           </a:p>
@@ -4111,7 +4122,7 @@
           <a:p>
             <a:fld id="{0963315D-FADD-47D1-B04E-85DCA5AF53D6}" type="datetime1">
               <a:rPr lang="en-US" smtClean="0"/>
-              <a:t>9/10/14</a:t>
+              <a:t>10/24/2014</a:t>
             </a:fld>
             <a:endParaRPr lang="en-US"/>
           </a:p>
@@ -4353,7 +4364,7 @@
           <a:p>
             <a:fld id="{F158C575-4F53-44CC-8D6E-CAE5944D2CEA}" type="datetime1">
               <a:rPr lang="en-US" smtClean="0"/>
-              <a:t>9/10/14</a:t>
+              <a:t>10/24/2014</a:t>
             </a:fld>
             <a:endParaRPr lang="en-US"/>
           </a:p>
@@ -4641,7 +4652,7 @@
           <a:p>
             <a:fld id="{520542AC-2E5E-4BC8-BBEE-E2E42C12BB55}" type="datetime1">
               <a:rPr lang="en-US" smtClean="0"/>
-              <a:t>9/10/14</a:t>
+              <a:t>10/24/2014</a:t>
             </a:fld>
             <a:endParaRPr lang="en-US"/>
           </a:p>
@@ -5058,7 +5069,7 @@
   <p:timing>
     <p:tnLst>
       <p:par>
-        <p:cTn xmlns:p14="http://schemas.microsoft.com/office/powerpoint/2010/main" id="1" dur="indefinite" restart="never" nodeType="tmRoot"/>
+        <p:cTn id="1" dur="indefinite" restart="never" nodeType="tmRoot"/>
       </p:par>
     </p:tnLst>
   </p:timing>
@@ -5426,7 +5437,7 @@
   <p:timing>
     <p:tnLst>
       <p:par>
-        <p:cTn xmlns:p14="http://schemas.microsoft.com/office/powerpoint/2010/main" id="1" dur="indefinite" restart="never" nodeType="tmRoot"/>
+        <p:cTn id="1" dur="indefinite" restart="never" nodeType="tmRoot"/>
       </p:par>
     </p:tnLst>
   </p:timing>
@@ -5794,7 +5805,7 @@
   <p:timing>
     <p:tnLst>
       <p:par>
-        <p:cTn xmlns:p14="http://schemas.microsoft.com/office/powerpoint/2010/main" id="1" dur="indefinite" restart="never" nodeType="tmRoot"/>
+        <p:cTn id="1" dur="indefinite" restart="never" nodeType="tmRoot"/>
       </p:par>
     </p:tnLst>
   </p:timing>
@@ -6167,7 +6178,7 @@
   <p:timing>
     <p:tnLst>
       <p:par>
-        <p:cTn xmlns:p14="http://schemas.microsoft.com/office/powerpoint/2010/main" id="1" dur="indefinite" restart="never" nodeType="tmRoot"/>
+        <p:cTn id="1" dur="indefinite" restart="never" nodeType="tmRoot"/>
       </p:par>
     </p:tnLst>
   </p:timing>
@@ -6467,7 +6478,7 @@
   <p:timing>
     <p:tnLst>
       <p:par>
-        <p:cTn xmlns:p14="http://schemas.microsoft.com/office/powerpoint/2010/main" id="1" dur="indefinite" restart="never" nodeType="tmRoot"/>
+        <p:cTn id="1" dur="indefinite" restart="never" nodeType="tmRoot"/>
       </p:par>
     </p:tnLst>
   </p:timing>
@@ -6806,7 +6817,7 @@
   <p:timing>
     <p:tnLst>
       <p:par>
-        <p:cTn xmlns:p14="http://schemas.microsoft.com/office/powerpoint/2010/main" id="1" dur="indefinite" restart="never" nodeType="tmRoot"/>
+        <p:cTn id="1" dur="indefinite" restart="never" nodeType="tmRoot"/>
       </p:par>
     </p:tnLst>
   </p:timing>
@@ -7179,7 +7190,7 @@
   <p:timing>
     <p:tnLst>
       <p:par>
-        <p:cTn xmlns:p14="http://schemas.microsoft.com/office/powerpoint/2010/main" id="1" dur="indefinite" restart="never" nodeType="tmRoot"/>
+        <p:cTn id="1" dur="indefinite" restart="never" nodeType="tmRoot"/>
       </p:par>
     </p:tnLst>
   </p:timing>
@@ -7552,7 +7563,7 @@
   <p:timing>
     <p:tnLst>
       <p:par>
-        <p:cTn xmlns:p14="http://schemas.microsoft.com/office/powerpoint/2010/main" id="1" dur="indefinite" restart="never" nodeType="tmRoot"/>
+        <p:cTn id="1" dur="indefinite" restart="never" nodeType="tmRoot"/>
       </p:par>
     </p:tnLst>
   </p:timing>
@@ -8275,7 +8286,7 @@
   <p:timing>
     <p:tnLst>
       <p:par>
-        <p:cTn xmlns:p14="http://schemas.microsoft.com/office/powerpoint/2010/main" id="1" dur="indefinite" restart="never" nodeType="tmRoot"/>
+        <p:cTn id="1" dur="indefinite" restart="never" nodeType="tmRoot"/>
       </p:par>
     </p:tnLst>
   </p:timing>
@@ -8456,12 +8467,12 @@
   <p:clrMapOvr>
     <a:masterClrMapping/>
   </p:clrMapOvr>
-  <p:transition xmlns:p14="http://schemas.microsoft.com/office/powerpoint/2010/main">
+  <p:transition>
     <p:fade/>
   </p:transition>
   <p:extLst>
     <p:ext uri="{DCECCB84-F9BA-43D5-87BE-67443E8EF086}">
-      <p15:sldGuideLst xmlns="" xmlns:p15="http://schemas.microsoft.com/office/powerpoint/2012/main">
+      <p15:sldGuideLst xmlns:p15="http://schemas.microsoft.com/office/powerpoint/2012/main">
         <p15:guide id="1" pos="288" userDrawn="1">
           <p15:clr>
             <a:srgbClr val="5ACBF0"/>
@@ -8597,13 +8608,13 @@
   <p:clrMapOvr>
     <a:masterClrMapping/>
   </p:clrMapOvr>
-  <p:transition xmlns:p14="http://schemas.microsoft.com/office/powerpoint/2010/main">
+  <p:transition>
     <p:fade/>
   </p:transition>
   <p:timing>
     <p:tnLst>
       <p:par>
-        <p:cTn xmlns:p14="http://schemas.microsoft.com/office/powerpoint/2010/main" id="1" dur="indefinite" restart="never" nodeType="tmRoot"/>
+        <p:cTn id="1" dur="indefinite" restart="never" nodeType="tmRoot"/>
       </p:par>
     </p:tnLst>
   </p:timing>
@@ -8637,13 +8648,13 @@
   <p:clrMapOvr>
     <a:masterClrMapping/>
   </p:clrMapOvr>
-  <p:transition xmlns:p14="http://schemas.microsoft.com/office/powerpoint/2010/main">
+  <p:transition>
     <p:fade/>
   </p:transition>
   <p:timing>
     <p:tnLst>
       <p:par>
-        <p:cTn xmlns:p14="http://schemas.microsoft.com/office/powerpoint/2010/main" id="1" dur="indefinite" restart="never" nodeType="tmRoot"/>
+        <p:cTn id="1" dur="indefinite" restart="never" nodeType="tmRoot"/>
       </p:par>
     </p:tnLst>
   </p:timing>
@@ -8952,7 +8963,7 @@
   <p:clrMapOvr>
     <a:masterClrMapping/>
   </p:clrMapOvr>
-  <p:transition xmlns:p14="http://schemas.microsoft.com/office/powerpoint/2010/main">
+  <p:transition>
     <p:fade/>
   </p:transition>
 </p:sldLayout>
@@ -9064,13 +9075,13 @@
   <p:clrMapOvr>
     <a:masterClrMapping/>
   </p:clrMapOvr>
-  <p:transition xmlns:p14="http://schemas.microsoft.com/office/powerpoint/2010/main">
+  <p:transition>
     <p:fade/>
   </p:transition>
   <p:timing>
     <p:tnLst>
       <p:par>
-        <p:cTn xmlns:p14="http://schemas.microsoft.com/office/powerpoint/2010/main" id="1" dur="indefinite" restart="never" nodeType="tmRoot">
+        <p:cTn id="1" dur="indefinite" restart="never" nodeType="tmRoot">
           <p:childTnLst>
             <p:seq concurrent="1" nextAc="seek">
               <p:cTn id="2" dur="indefinite" nodeType="mainSeq">
@@ -9526,13 +9537,13 @@
   <p:clrMapOvr>
     <a:masterClrMapping/>
   </p:clrMapOvr>
-  <p:transition xmlns:p14="http://schemas.microsoft.com/office/powerpoint/2010/main">
+  <p:transition>
     <p:fade/>
   </p:transition>
   <p:timing>
     <p:tnLst>
       <p:par>
-        <p:cTn xmlns:p14="http://schemas.microsoft.com/office/powerpoint/2010/main" id="1" dur="indefinite" restart="never" nodeType="tmRoot"/>
+        <p:cTn id="1" dur="indefinite" restart="never" nodeType="tmRoot"/>
       </p:par>
     </p:tnLst>
   </p:timing>
@@ -9781,13 +9792,13 @@
   <p:clrMapOvr>
     <a:masterClrMapping/>
   </p:clrMapOvr>
-  <p:transition xmlns:p14="http://schemas.microsoft.com/office/powerpoint/2010/main">
+  <p:transition>
     <p:fade/>
   </p:transition>
   <p:timing>
     <p:tnLst>
       <p:par>
-        <p:cTn xmlns:p14="http://schemas.microsoft.com/office/powerpoint/2010/main" id="1" dur="indefinite" restart="never" nodeType="tmRoot"/>
+        <p:cTn id="1" dur="indefinite" restart="never" nodeType="tmRoot"/>
       </p:par>
     </p:tnLst>
   </p:timing>
@@ -10067,13 +10078,13 @@
   <p:clrMapOvr>
     <a:masterClrMapping/>
   </p:clrMapOvr>
-  <p:transition xmlns:p14="http://schemas.microsoft.com/office/powerpoint/2010/main">
+  <p:transition>
     <p:fade/>
   </p:transition>
   <p:timing>
     <p:tnLst>
       <p:par>
-        <p:cTn xmlns:p14="http://schemas.microsoft.com/office/powerpoint/2010/main" id="1" dur="indefinite" restart="never" nodeType="tmRoot"/>
+        <p:cTn id="1" dur="indefinite" restart="never" nodeType="tmRoot"/>
       </p:par>
     </p:tnLst>
   </p:timing>
@@ -10488,19 +10499,19 @@
   <p:clrMapOvr>
     <a:masterClrMapping/>
   </p:clrMapOvr>
-  <p:transition xmlns:p14="http://schemas.microsoft.com/office/powerpoint/2010/main">
+  <p:transition>
     <p:fade/>
   </p:transition>
   <p:timing>
     <p:tnLst>
       <p:par>
-        <p:cTn xmlns:p14="http://schemas.microsoft.com/office/powerpoint/2010/main" id="1" dur="indefinite" restart="never" nodeType="tmRoot"/>
+        <p:cTn id="1" dur="indefinite" restart="never" nodeType="tmRoot"/>
       </p:par>
     </p:tnLst>
   </p:timing>
   <p:extLst mod="1">
     <p:ext uri="{DCECCB84-F9BA-43D5-87BE-67443E8EF086}">
-      <p15:sldGuideLst xmlns="" xmlns:p15="http://schemas.microsoft.com/office/powerpoint/2012/main">
+      <p15:sldGuideLst xmlns:p15="http://schemas.microsoft.com/office/powerpoint/2012/main">
         <p15:guide id="1" orient="horz" pos="2203">
           <p15:clr>
             <a:srgbClr val="FBAE40"/>
@@ -10552,7 +10563,7 @@
   <p:clrMapOvr>
     <a:masterClrMapping/>
   </p:clrMapOvr>
-  <p:transition xmlns:p14="http://schemas.microsoft.com/office/powerpoint/2010/main">
+  <p:transition>
     <p:fade/>
   </p:transition>
 </p:sldLayout>
@@ -10608,13 +10619,13 @@
   <p:clrMapOvr>
     <a:masterClrMapping/>
   </p:clrMapOvr>
-  <p:transition xmlns:p14="http://schemas.microsoft.com/office/powerpoint/2010/main">
+  <p:transition>
     <p:fade/>
   </p:transition>
   <p:timing>
     <p:tnLst>
       <p:par>
-        <p:cTn xmlns:p14="http://schemas.microsoft.com/office/powerpoint/2010/main" id="1" dur="indefinite" restart="never" nodeType="tmRoot"/>
+        <p:cTn id="1" dur="indefinite" restart="never" nodeType="tmRoot"/>
       </p:par>
     </p:tnLst>
   </p:timing>
@@ -10730,13 +10741,13 @@
   <p:clrMapOvr>
     <a:masterClrMapping/>
   </p:clrMapOvr>
-  <p:transition xmlns:p14="http://schemas.microsoft.com/office/powerpoint/2010/main">
+  <p:transition>
     <p:fade/>
   </p:transition>
   <p:timing>
     <p:tnLst>
       <p:par>
-        <p:cTn xmlns:p14="http://schemas.microsoft.com/office/powerpoint/2010/main" id="1" dur="indefinite" restart="never" nodeType="tmRoot"/>
+        <p:cTn id="1" dur="indefinite" restart="never" nodeType="tmRoot"/>
       </p:par>
     </p:tnLst>
   </p:timing>
@@ -11039,7 +11050,7 @@
   <p:timing>
     <p:tnLst>
       <p:par>
-        <p:cTn xmlns:p14="http://schemas.microsoft.com/office/powerpoint/2010/main" id="1" dur="indefinite" restart="never" nodeType="tmRoot"/>
+        <p:cTn id="1" dur="indefinite" restart="never" nodeType="tmRoot"/>
       </p:par>
     </p:tnLst>
   </p:timing>
@@ -11073,7 +11084,7 @@
   <p:clrMapOvr>
     <a:masterClrMapping/>
   </p:clrMapOvr>
-  <p:transition xmlns:p14="http://schemas.microsoft.com/office/powerpoint/2010/main">
+  <p:transition>
     <p:fade/>
   </p:transition>
 </p:sldLayout>
@@ -11363,13 +11374,13 @@
   <p:clrMapOvr>
     <a:masterClrMapping/>
   </p:clrMapOvr>
-  <p:transition xmlns:p14="http://schemas.microsoft.com/office/powerpoint/2010/main">
+  <p:transition>
     <p:fade/>
   </p:transition>
   <p:timing>
     <p:tnLst>
       <p:par>
-        <p:cTn xmlns:p14="http://schemas.microsoft.com/office/powerpoint/2010/main" id="1" dur="indefinite" restart="never" nodeType="tmRoot"/>
+        <p:cTn id="1" dur="indefinite" restart="never" nodeType="tmRoot"/>
       </p:par>
     </p:tnLst>
   </p:timing>
@@ -11512,7 +11523,7 @@
   <p:timing>
     <p:tnLst>
       <p:par>
-        <p:cTn xmlns:p14="http://schemas.microsoft.com/office/powerpoint/2010/main" id="1" dur="indefinite" restart="never" nodeType="tmRoot"/>
+        <p:cTn id="1" dur="indefinite" restart="never" nodeType="tmRoot"/>
       </p:par>
     </p:tnLst>
   </p:timing>
@@ -11978,7 +11989,7 @@
   <p:timing>
     <p:tnLst>
       <p:par>
-        <p:cTn xmlns:p14="http://schemas.microsoft.com/office/powerpoint/2010/main" id="1" dur="indefinite" restart="never" nodeType="tmRoot"/>
+        <p:cTn id="1" dur="indefinite" restart="never" nodeType="tmRoot"/>
       </p:par>
     </p:tnLst>
   </p:timing>
@@ -12161,7 +12172,7 @@
   <p:timing>
     <p:tnLst>
       <p:par>
-        <p:cTn xmlns:p14="http://schemas.microsoft.com/office/powerpoint/2010/main" id="1" dur="indefinite" restart="never" nodeType="tmRoot"/>
+        <p:cTn id="1" dur="indefinite" restart="never" nodeType="tmRoot"/>
       </p:par>
     </p:tnLst>
   </p:timing>
@@ -12440,13 +12451,13 @@
   <p:clrMapOvr>
     <a:masterClrMapping/>
   </p:clrMapOvr>
-  <p:transition xmlns:p14="http://schemas.microsoft.com/office/powerpoint/2010/main">
+  <p:transition>
     <p:fade/>
   </p:transition>
   <p:timing>
     <p:tnLst>
       <p:par>
-        <p:cTn xmlns:p14="http://schemas.microsoft.com/office/powerpoint/2010/main" id="1" dur="indefinite" restart="never" nodeType="tmRoot"/>
+        <p:cTn id="1" dur="indefinite" restart="never" nodeType="tmRoot"/>
       </p:par>
     </p:tnLst>
   </p:timing>
@@ -12695,13 +12706,13 @@
   <p:clrMapOvr>
     <a:masterClrMapping/>
   </p:clrMapOvr>
-  <p:transition xmlns:p14="http://schemas.microsoft.com/office/powerpoint/2010/main">
+  <p:transition>
     <p:fade/>
   </p:transition>
   <p:timing>
     <p:tnLst>
       <p:par>
-        <p:cTn xmlns:p14="http://schemas.microsoft.com/office/powerpoint/2010/main" id="1" dur="indefinite" restart="never" nodeType="tmRoot"/>
+        <p:cTn id="1" dur="indefinite" restart="never" nodeType="tmRoot"/>
       </p:par>
     </p:tnLst>
   </p:timing>
@@ -12909,13 +12920,13 @@
   <p:clrMapOvr>
     <a:masterClrMapping/>
   </p:clrMapOvr>
-  <p:transition xmlns:p14="http://schemas.microsoft.com/office/powerpoint/2010/main">
+  <p:transition>
     <p:fade/>
   </p:transition>
   <p:timing>
     <p:tnLst>
       <p:par>
-        <p:cTn xmlns:p14="http://schemas.microsoft.com/office/powerpoint/2010/main" id="1" dur="indefinite" restart="never" nodeType="tmRoot"/>
+        <p:cTn id="1" dur="indefinite" restart="never" nodeType="tmRoot"/>
       </p:par>
     </p:tnLst>
   </p:timing>
@@ -13137,13 +13148,13 @@
   <p:clrMapOvr>
     <a:masterClrMapping/>
   </p:clrMapOvr>
-  <p:transition xmlns:p14="http://schemas.microsoft.com/office/powerpoint/2010/main">
+  <p:transition>
     <p:fade/>
   </p:transition>
   <p:timing>
     <p:tnLst>
       <p:par>
-        <p:cTn xmlns:p14="http://schemas.microsoft.com/office/powerpoint/2010/main" id="1" dur="indefinite" restart="never" nodeType="tmRoot"/>
+        <p:cTn id="1" dur="indefinite" restart="never" nodeType="tmRoot"/>
       </p:par>
     </p:tnLst>
   </p:timing>
@@ -13393,13 +13404,13 @@
   <p:clrMapOvr>
     <a:masterClrMapping/>
   </p:clrMapOvr>
-  <p:transition xmlns:p14="http://schemas.microsoft.com/office/powerpoint/2010/main">
+  <p:transition>
     <p:fade/>
   </p:transition>
   <p:timing>
     <p:tnLst>
       <p:par>
-        <p:cTn xmlns:p14="http://schemas.microsoft.com/office/powerpoint/2010/main" id="1" dur="indefinite" restart="never" nodeType="tmRoot"/>
+        <p:cTn id="1" dur="indefinite" restart="never" nodeType="tmRoot"/>
       </p:par>
     </p:tnLst>
   </p:timing>
@@ -13721,13 +13732,13 @@
   <p:clrMapOvr>
     <a:masterClrMapping/>
   </p:clrMapOvr>
-  <p:transition xmlns:p14="http://schemas.microsoft.com/office/powerpoint/2010/main">
+  <p:transition>
     <p:fade/>
   </p:transition>
   <p:timing>
     <p:tnLst>
       <p:par>
-        <p:cTn xmlns:p14="http://schemas.microsoft.com/office/powerpoint/2010/main" id="1" dur="indefinite" restart="never" nodeType="tmRoot"/>
+        <p:cTn id="1" dur="indefinite" restart="never" nodeType="tmRoot"/>
       </p:par>
     </p:tnLst>
   </p:timing>
@@ -13951,13 +13962,13 @@
   <p:clrMapOvr>
     <a:masterClrMapping/>
   </p:clrMapOvr>
-  <p:transition xmlns:p14="http://schemas.microsoft.com/office/powerpoint/2010/main">
+  <p:transition>
     <p:fade/>
   </p:transition>
   <p:timing>
     <p:tnLst>
       <p:par>
-        <p:cTn xmlns:p14="http://schemas.microsoft.com/office/powerpoint/2010/main" id="1" dur="indefinite" restart="never" nodeType="tmRoot"/>
+        <p:cTn id="1" dur="indefinite" restart="never" nodeType="tmRoot"/>
       </p:par>
     </p:tnLst>
   </p:timing>
@@ -14199,13 +14210,13 @@
   <p:clrMapOvr>
     <a:masterClrMapping/>
   </p:clrMapOvr>
-  <p:transition xmlns:p14="http://schemas.microsoft.com/office/powerpoint/2010/main">
+  <p:transition>
     <p:fade/>
   </p:transition>
   <p:timing>
     <p:tnLst>
       <p:par>
-        <p:cTn xmlns:p14="http://schemas.microsoft.com/office/powerpoint/2010/main" id="1" dur="indefinite" restart="never" nodeType="tmRoot"/>
+        <p:cTn id="1" dur="indefinite" restart="never" nodeType="tmRoot"/>
       </p:par>
     </p:tnLst>
   </p:timing>
@@ -14412,13 +14423,13 @@
   <p:clrMapOvr>
     <a:masterClrMapping/>
   </p:clrMapOvr>
-  <p:transition xmlns:p14="http://schemas.microsoft.com/office/powerpoint/2010/main">
+  <p:transition>
     <p:fade/>
   </p:transition>
   <p:timing>
     <p:tnLst>
       <p:par>
-        <p:cTn xmlns:p14="http://schemas.microsoft.com/office/powerpoint/2010/main" id="1" dur="indefinite" restart="never" nodeType="tmRoot"/>
+        <p:cTn id="1" dur="indefinite" restart="never" nodeType="tmRoot"/>
       </p:par>
     </p:tnLst>
   </p:timing>
@@ -14453,13 +14464,13 @@
   <p:clrMapOvr>
     <a:masterClrMapping/>
   </p:clrMapOvr>
-  <p:transition xmlns:p14="http://schemas.microsoft.com/office/powerpoint/2010/main">
+  <p:transition>
     <p:fade/>
   </p:transition>
   <p:timing>
     <p:tnLst>
       <p:par>
-        <p:cTn xmlns:p14="http://schemas.microsoft.com/office/powerpoint/2010/main" id="1" dur="indefinite" restart="never" nodeType="tmRoot"/>
+        <p:cTn id="1" dur="indefinite" restart="never" nodeType="tmRoot"/>
       </p:par>
     </p:tnLst>
   </p:timing>
@@ -14739,13 +14750,13 @@
   <p:clrMapOvr>
     <a:masterClrMapping/>
   </p:clrMapOvr>
-  <p:transition xmlns:p14="http://schemas.microsoft.com/office/powerpoint/2010/main">
+  <p:transition>
     <p:fade/>
   </p:transition>
   <p:timing>
     <p:tnLst>
       <p:par>
-        <p:cTn xmlns:p14="http://schemas.microsoft.com/office/powerpoint/2010/main" id="1" dur="indefinite" restart="never" nodeType="tmRoot"/>
+        <p:cTn id="1" dur="indefinite" restart="never" nodeType="tmRoot"/>
       </p:par>
     </p:tnLst>
   </p:timing>
@@ -14866,7 +14877,7 @@
   <p:timing>
     <p:tnLst>
       <p:par>
-        <p:cTn xmlns:p14="http://schemas.microsoft.com/office/powerpoint/2010/main" id="1" dur="indefinite" restart="never" nodeType="tmRoot"/>
+        <p:cTn id="1" dur="indefinite" restart="never" nodeType="tmRoot"/>
       </p:par>
     </p:tnLst>
   </p:timing>
@@ -14908,13 +14919,13 @@
   <p:clrMapOvr>
     <a:masterClrMapping/>
   </p:clrMapOvr>
-  <p:transition xmlns:p14="http://schemas.microsoft.com/office/powerpoint/2010/main">
+  <p:transition>
     <p:fade/>
   </p:transition>
   <p:timing>
     <p:tnLst>
       <p:par>
-        <p:cTn xmlns:p14="http://schemas.microsoft.com/office/powerpoint/2010/main" id="1" dur="indefinite" restart="never" nodeType="tmRoot"/>
+        <p:cTn id="1" dur="indefinite" restart="never" nodeType="tmRoot"/>
       </p:par>
     </p:tnLst>
   </p:timing>
@@ -15072,13 +15083,13 @@
   <p:clrMapOvr>
     <a:masterClrMapping/>
   </p:clrMapOvr>
-  <p:transition xmlns:p14="http://schemas.microsoft.com/office/powerpoint/2010/main">
+  <p:transition>
     <p:fade/>
   </p:transition>
   <p:timing>
     <p:tnLst>
       <p:par>
-        <p:cTn xmlns:p14="http://schemas.microsoft.com/office/powerpoint/2010/main" id="1" dur="indefinite" restart="never" nodeType="tmRoot"/>
+        <p:cTn id="1" dur="indefinite" restart="never" nodeType="tmRoot"/>
       </p:par>
     </p:tnLst>
   </p:timing>
@@ -15342,7 +15353,7 @@
   <p:timing>
     <p:tnLst>
       <p:par>
-        <p:cTn xmlns:p14="http://schemas.microsoft.com/office/powerpoint/2010/main" id="1" dur="indefinite" restart="never" nodeType="tmRoot"/>
+        <p:cTn id="1" dur="indefinite" restart="never" nodeType="tmRoot"/>
       </p:par>
     </p:tnLst>
   </p:timing>
@@ -15606,7 +15617,7 @@
   <p:timing>
     <p:tnLst>
       <p:par>
-        <p:cTn xmlns:p14="http://schemas.microsoft.com/office/powerpoint/2010/main" id="1" dur="indefinite" restart="never" nodeType="tmRoot"/>
+        <p:cTn id="1" dur="indefinite" restart="never" nodeType="tmRoot"/>
       </p:par>
     </p:tnLst>
   </p:timing>
@@ -15927,13 +15938,13 @@
   <p:clrMapOvr>
     <a:masterClrMapping/>
   </p:clrMapOvr>
-  <p:transition xmlns:p14="http://schemas.microsoft.com/office/powerpoint/2010/main">
+  <p:transition>
     <p:fade/>
   </p:transition>
   <p:timing>
     <p:tnLst>
       <p:par>
-        <p:cTn xmlns:p14="http://schemas.microsoft.com/office/powerpoint/2010/main" id="1" dur="indefinite" restart="never" nodeType="tmRoot"/>
+        <p:cTn id="1" dur="indefinite" restart="never" nodeType="tmRoot"/>
       </p:par>
     </p:tnLst>
   </p:timing>
@@ -16197,7 +16208,7 @@
   <p:timing>
     <p:tnLst>
       <p:par>
-        <p:cTn xmlns:p14="http://schemas.microsoft.com/office/powerpoint/2010/main" id="1" dur="indefinite" restart="never" nodeType="tmRoot"/>
+        <p:cTn id="1" dur="indefinite" restart="never" nodeType="tmRoot"/>
       </p:par>
     </p:tnLst>
   </p:timing>
@@ -16461,7 +16472,7 @@
   <p:timing>
     <p:tnLst>
       <p:par>
-        <p:cTn xmlns:p14="http://schemas.microsoft.com/office/powerpoint/2010/main" id="1" dur="indefinite" restart="never" nodeType="tmRoot"/>
+        <p:cTn id="1" dur="indefinite" restart="never" nodeType="tmRoot"/>
       </p:par>
     </p:tnLst>
   </p:timing>
@@ -16725,7 +16736,7 @@
   <p:timing>
     <p:tnLst>
       <p:par>
-        <p:cTn xmlns:p14="http://schemas.microsoft.com/office/powerpoint/2010/main" id="1" dur="indefinite" restart="never" nodeType="tmRoot"/>
+        <p:cTn id="1" dur="indefinite" restart="never" nodeType="tmRoot"/>
       </p:par>
     </p:tnLst>
   </p:timing>
@@ -17151,19 +17162,19 @@
   <p:clrMapOvr>
     <a:masterClrMapping/>
   </p:clrMapOvr>
-  <p:transition xmlns:p14="http://schemas.microsoft.com/office/powerpoint/2010/main">
+  <p:transition>
     <p:fade/>
   </p:transition>
   <p:timing>
     <p:tnLst>
       <p:par>
-        <p:cTn xmlns:p14="http://schemas.microsoft.com/office/powerpoint/2010/main" id="1" dur="indefinite" restart="never" nodeType="tmRoot"/>
+        <p:cTn id="1" dur="indefinite" restart="never" nodeType="tmRoot"/>
       </p:par>
     </p:tnLst>
   </p:timing>
   <p:extLst mod="1">
     <p:ext uri="{DCECCB84-F9BA-43D5-87BE-67443E8EF086}">
-      <p15:sldGuideLst xmlns="" xmlns:p15="http://schemas.microsoft.com/office/powerpoint/2012/main">
+      <p15:sldGuideLst xmlns:p15="http://schemas.microsoft.com/office/powerpoint/2012/main">
         <p15:guide id="1" orient="horz" pos="2203">
           <p15:clr>
             <a:srgbClr val="FBAE40"/>
@@ -17450,13 +17461,13 @@
   <p:clrMapOvr>
     <a:masterClrMapping/>
   </p:clrMapOvr>
-  <p:transition xmlns:p14="http://schemas.microsoft.com/office/powerpoint/2010/main">
+  <p:transition>
     <p:fade/>
   </p:transition>
   <p:timing>
     <p:tnLst>
       <p:par>
-        <p:cTn xmlns:p14="http://schemas.microsoft.com/office/powerpoint/2010/main" id="1" dur="indefinite" restart="never" nodeType="tmRoot"/>
+        <p:cTn id="1" dur="indefinite" restart="never" nodeType="tmRoot"/>
       </p:par>
     </p:tnLst>
   </p:timing>
@@ -18009,13 +18020,13 @@
   <p:clrMapOvr>
     <a:masterClrMapping/>
   </p:clrMapOvr>
-  <p:transition xmlns:p14="http://schemas.microsoft.com/office/powerpoint/2010/main">
+  <p:transition>
     <p:fade/>
   </p:transition>
   <p:timing>
     <p:tnLst>
       <p:par>
-        <p:cTn xmlns:p14="http://schemas.microsoft.com/office/powerpoint/2010/main" id="1" dur="indefinite" restart="never" nodeType="tmRoot"/>
+        <p:cTn id="1" dur="indefinite" restart="never" nodeType="tmRoot"/>
       </p:par>
     </p:tnLst>
   </p:timing>
@@ -18616,7 +18627,7 @@
   <p:clrMapOvr>
     <a:masterClrMapping/>
   </p:clrMapOvr>
-  <p:transition xmlns:p14="http://schemas.microsoft.com/office/powerpoint/2010/main">
+  <p:transition>
     <p:fade/>
   </p:transition>
 </p:sldLayout>
@@ -19135,7 +19146,7 @@
   <p:clrMapOvr>
     <a:masterClrMapping/>
   </p:clrMapOvr>
-  <p:transition xmlns:p14="http://schemas.microsoft.com/office/powerpoint/2010/main">
+  <p:transition>
     <p:fade/>
   </p:transition>
 </p:sldLayout>
@@ -19295,13 +19306,13 @@
     <p:sldLayoutId id="2147484557" r:id="rId26"/>
     <p:sldLayoutId id="2147484558" r:id="rId27"/>
   </p:sldLayoutIdLst>
-  <p:transition xmlns:p14="http://schemas.microsoft.com/office/powerpoint/2010/main">
+  <p:transition>
     <p:fade/>
   </p:transition>
   <p:timing>
     <p:tnLst>
       <p:par>
-        <p:cTn xmlns:p14="http://schemas.microsoft.com/office/powerpoint/2010/main" id="1" dur="indefinite" restart="never" nodeType="tmRoot"/>
+        <p:cTn id="1" dur="indefinite" restart="never" nodeType="tmRoot"/>
       </p:par>
     </p:tnLst>
   </p:timing>
@@ -19662,7 +19673,7 @@
   </p:txStyles>
   <p:extLst>
     <p:ext uri="{27BBF7A9-308A-43DC-89C8-2F10F3537804}">
-      <p15:sldGuideLst xmlns="" xmlns:p15="http://schemas.microsoft.com/office/powerpoint/2012/main">
+      <p15:sldGuideLst xmlns:p15="http://schemas.microsoft.com/office/powerpoint/2012/main">
         <p15:guide id="1" pos="173" userDrawn="1">
           <p15:clr>
             <a:srgbClr val="000000"/>
@@ -19960,13 +19971,13 @@
   <p:sldLayoutIdLst>
     <p:sldLayoutId id="2147484477" r:id="rId1"/>
   </p:sldLayoutIdLst>
-  <p:transition xmlns:p14="http://schemas.microsoft.com/office/powerpoint/2010/main">
+  <p:transition>
     <p:fade/>
   </p:transition>
   <p:timing>
     <p:tnLst>
       <p:par>
-        <p:cTn xmlns:p14="http://schemas.microsoft.com/office/powerpoint/2010/main" id="1" dur="indefinite" restart="never" nodeType="tmRoot"/>
+        <p:cTn id="1" dur="indefinite" restart="never" nodeType="tmRoot"/>
       </p:par>
     </p:tnLst>
   </p:timing>
@@ -20342,7 +20353,7 @@
   </p:txStyles>
   <p:extLst mod="1">
     <p:ext uri="{27BBF7A9-308A-43DC-89C8-2F10F3537804}">
-      <p15:sldGuideLst xmlns="" xmlns:p15="http://schemas.microsoft.com/office/powerpoint/2012/main">
+      <p15:sldGuideLst xmlns:p15="http://schemas.microsoft.com/office/powerpoint/2012/main">
         <p15:guide id="1" orient="horz" pos="187">
           <p15:clr>
             <a:srgbClr val="5ACBF0"/>
@@ -20615,13 +20626,13 @@
     <p:sldLayoutId id="2147484533" r:id="rId8"/>
     <p:sldLayoutId id="2147484555" r:id="rId9"/>
   </p:sldLayoutIdLst>
-  <p:transition xmlns:p14="http://schemas.microsoft.com/office/powerpoint/2010/main">
+  <p:transition>
     <p:fade/>
   </p:transition>
   <p:timing>
     <p:tnLst>
       <p:par>
-        <p:cTn xmlns:p14="http://schemas.microsoft.com/office/powerpoint/2010/main" id="1" dur="indefinite" restart="never" nodeType="tmRoot"/>
+        <p:cTn id="1" dur="indefinite" restart="never" nodeType="tmRoot"/>
       </p:par>
     </p:tnLst>
   </p:timing>
@@ -20982,7 +20993,7 @@
   </p:txStyles>
   <p:extLst mod="1">
     <p:ext uri="{27BBF7A9-308A-43DC-89C8-2F10F3537804}">
-      <p15:sldGuideLst xmlns="" xmlns:p15="http://schemas.microsoft.com/office/powerpoint/2012/main">
+      <p15:sldGuideLst xmlns:p15="http://schemas.microsoft.com/office/powerpoint/2012/main">
         <p15:guide id="1" orient="horz" pos="283">
           <p15:clr>
             <a:srgbClr val="F26B43"/>
@@ -21618,13 +21629,13 @@
     <p:sldLayoutId id="2147484549" r:id="rId15"/>
     <p:sldLayoutId id="2147484556" r:id="rId16"/>
   </p:sldLayoutIdLst>
-  <p:transition xmlns:p14="http://schemas.microsoft.com/office/powerpoint/2010/main">
+  <p:transition>
     <p:fade/>
   </p:transition>
   <p:timing>
     <p:tnLst>
       <p:par>
-        <p:cTn xmlns:p14="http://schemas.microsoft.com/office/powerpoint/2010/main" id="1" dur="indefinite" restart="never" nodeType="tmRoot"/>
+        <p:cTn id="1" dur="indefinite" restart="never" nodeType="tmRoot"/>
       </p:par>
     </p:tnLst>
   </p:timing>
@@ -22038,7 +22049,7 @@
   <p:timing>
     <p:tnLst>
       <p:par>
-        <p:cTn xmlns:p14="http://schemas.microsoft.com/office/powerpoint/2010/main" id="1" dur="indefinite" restart="never" nodeType="tmRoot"/>
+        <p:cTn id="1" dur="indefinite" restart="never" nodeType="tmRoot"/>
       </p:par>
     </p:tnLst>
   </p:timing>
@@ -22223,7 +22234,7 @@
   <p:timing>
     <p:tnLst>
       <p:par>
-        <p:cTn xmlns:p14="http://schemas.microsoft.com/office/powerpoint/2010/main" id="1" dur="indefinite" restart="never" nodeType="tmRoot"/>
+        <p:cTn id="1" dur="indefinite" restart="never" nodeType="tmRoot"/>
       </p:par>
     </p:tnLst>
   </p:timing>
@@ -22402,7 +22413,7 @@
   <p:timing>
     <p:tnLst>
       <p:par>
-        <p:cTn xmlns:p14="http://schemas.microsoft.com/office/powerpoint/2010/main" id="1" dur="indefinite" restart="never" nodeType="tmRoot"/>
+        <p:cTn id="1" dur="indefinite" restart="never" nodeType="tmRoot"/>
       </p:par>
     </p:tnLst>
   </p:timing>
@@ -22486,13 +22497,13 @@
   <p:clrMapOvr>
     <a:masterClrMapping/>
   </p:clrMapOvr>
-  <p:transition xmlns:p14="http://schemas.microsoft.com/office/powerpoint/2010/main">
+  <p:transition>
     <p:fade/>
   </p:transition>
   <p:timing>
     <p:tnLst>
       <p:par>
-        <p:cTn xmlns:p14="http://schemas.microsoft.com/office/powerpoint/2010/main" id="1" dur="indefinite" restart="never" nodeType="tmRoot"/>
+        <p:cTn id="1" dur="indefinite" restart="never" nodeType="tmRoot"/>
       </p:par>
     </p:tnLst>
   </p:timing>
@@ -22642,7 +22653,7 @@
   <p:timing>
     <p:tnLst>
       <p:par>
-        <p:cTn xmlns:p14="http://schemas.microsoft.com/office/powerpoint/2010/main" id="1" dur="indefinite" restart="never" nodeType="tmRoot"/>
+        <p:cTn id="1" dur="indefinite" restart="never" nodeType="tmRoot"/>
       </p:par>
     </p:tnLst>
   </p:timing>
@@ -22841,7 +22852,7 @@
   <p:timing>
     <p:tnLst>
       <p:par>
-        <p:cTn xmlns:p14="http://schemas.microsoft.com/office/powerpoint/2010/main" id="1" dur="indefinite" restart="never" nodeType="tmRoot"/>
+        <p:cTn id="1" dur="indefinite" restart="never" nodeType="tmRoot"/>
       </p:par>
     </p:tnLst>
   </p:timing>
@@ -23090,7 +23101,7 @@
   <p:timing>
     <p:tnLst>
       <p:par>
-        <p:cTn xmlns:p14="http://schemas.microsoft.com/office/powerpoint/2010/main" id="1" dur="indefinite" restart="never" nodeType="tmRoot"/>
+        <p:cTn id="1" dur="indefinite" restart="never" nodeType="tmRoot"/>
       </p:par>
     </p:tnLst>
   </p:timing>
@@ -23189,7 +23200,7 @@
   <p:timing>
     <p:tnLst>
       <p:par>
-        <p:cTn xmlns:p14="http://schemas.microsoft.com/office/powerpoint/2010/main" id="1" dur="indefinite" restart="never" nodeType="tmRoot"/>
+        <p:cTn id="1" dur="indefinite" restart="never" nodeType="tmRoot"/>
       </p:par>
     </p:tnLst>
   </p:timing>
@@ -23338,13 +23349,13 @@
   <p:clrMapOvr>
     <a:masterClrMapping/>
   </p:clrMapOvr>
-  <p:transition xmlns:p14="http://schemas.microsoft.com/office/powerpoint/2010/main">
+  <p:transition>
     <p:fade/>
   </p:transition>
   <p:timing>
     <p:tnLst>
       <p:par>
-        <p:cTn xmlns:p14="http://schemas.microsoft.com/office/powerpoint/2010/main" id="1" dur="indefinite" restart="never" nodeType="tmRoot"/>
+        <p:cTn id="1" dur="indefinite" restart="never" nodeType="tmRoot"/>
       </p:par>
     </p:tnLst>
   </p:timing>
@@ -23443,7 +23454,7 @@
   <p:timing>
     <p:tnLst>
       <p:par>
-        <p:cTn xmlns:p14="http://schemas.microsoft.com/office/powerpoint/2010/main" id="1" dur="indefinite" restart="never" nodeType="tmRoot"/>
+        <p:cTn id="1" dur="indefinite" restart="never" nodeType="tmRoot"/>
       </p:par>
     </p:tnLst>
   </p:timing>
@@ -23620,7 +23631,7 @@
   <p:timing>
     <p:tnLst>
       <p:par>
-        <p:cTn xmlns:p14="http://schemas.microsoft.com/office/powerpoint/2010/main" id="1" dur="indefinite" restart="never" nodeType="tmRoot"/>
+        <p:cTn id="1" dur="indefinite" restart="never" nodeType="tmRoot"/>
       </p:par>
     </p:tnLst>
   </p:timing>
@@ -23677,7 +23688,7 @@
             <p:ph sz="quarter" idx="10"/>
             <p:extLst>
               <p:ext uri="{D42A27DB-BD31-4B8C-83A1-F6EECF244321}">
-                <p14:modId xmlns:p14="http://schemas.microsoft.com/office/powerpoint/2010/main" val="89743748"/>
+                <p14:modId xmlns:p14="http://schemas.microsoft.com/office/powerpoint/2010/main" val="1292097014"/>
               </p:ext>
             </p:extLst>
           </p:nvPr>
@@ -23696,7 +23707,7 @@
                 <a:gridCol w="11448519">
                   <a:extLst>
                     <a:ext uri="{9D8B030D-6E8A-4147-A177-3AD203B41FA5}">
-                      <a16:colId xmlns="" xmlns:a16="http://schemas.microsoft.com/office/drawing/2014/main" val="1253488153"/>
+                      <a16:colId xmlns:a16="http://schemas.microsoft.com/office/drawing/2014/main" xmlns="" val="1253488153"/>
                     </a:ext>
                   </a:extLst>
                 </a:gridCol>
@@ -23718,7 +23729,7 @@
                 </a:tc>
                 <a:extLst>
                   <a:ext uri="{0D108BD9-81ED-4DB2-BD59-A6C34878D82A}">
-                    <a16:rowId xmlns="" xmlns:a16="http://schemas.microsoft.com/office/drawing/2014/main" val="829859176"/>
+                    <a16:rowId xmlns:a16="http://schemas.microsoft.com/office/drawing/2014/main" xmlns="" val="829859176"/>
                   </a:ext>
                 </a:extLst>
               </a:tr>
@@ -23738,7 +23749,7 @@
                 </a:tc>
                 <a:extLst>
                   <a:ext uri="{0D108BD9-81ED-4DB2-BD59-A6C34878D82A}">
-                    <a16:rowId xmlns="" xmlns:a16="http://schemas.microsoft.com/office/drawing/2014/main" val="1946132611"/>
+                    <a16:rowId xmlns:a16="http://schemas.microsoft.com/office/drawing/2014/main" xmlns="" val="1946132611"/>
                   </a:ext>
                 </a:extLst>
               </a:tr>
@@ -23775,7 +23786,7 @@
                 </a:tc>
                 <a:extLst>
                   <a:ext uri="{0D108BD9-81ED-4DB2-BD59-A6C34878D82A}">
-                    <a16:rowId xmlns="" xmlns:a16="http://schemas.microsoft.com/office/drawing/2014/main" val="3204002662"/>
+                    <a16:rowId xmlns:a16="http://schemas.microsoft.com/office/drawing/2014/main" xmlns="" val="3204002662"/>
                   </a:ext>
                 </a:extLst>
               </a:tr>
@@ -23812,7 +23823,7 @@
                 </a:tc>
                 <a:extLst>
                   <a:ext uri="{0D108BD9-81ED-4DB2-BD59-A6C34878D82A}">
-                    <a16:rowId xmlns="" xmlns:a16="http://schemas.microsoft.com/office/drawing/2014/main" val="4266278162"/>
+                    <a16:rowId xmlns:a16="http://schemas.microsoft.com/office/drawing/2014/main" xmlns="" val="4266278162"/>
                   </a:ext>
                 </a:extLst>
               </a:tr>
@@ -23845,8 +23856,17 @@
                       </a:r>
                       <a:r>
                         <a:rPr lang="en-US" sz="2400" dirty="0" smtClean="0"/>
-                        <a:t>Hook into Office 365 and SharePoint APIs with SPAs</a:t>
+                        <a:t>Hook into Office </a:t>
                       </a:r>
+                      <a:r>
+                        <a:rPr lang="en-US" sz="2400" smtClean="0"/>
+                        <a:t>365 </a:t>
+                      </a:r>
+                      <a:r>
+                        <a:rPr lang="en-US" sz="2400" smtClean="0"/>
+                        <a:t>APIs</a:t>
+                      </a:r>
+                      <a:endParaRPr lang="en-US" sz="2400" dirty="0" smtClean="0"/>
                     </a:p>
                   </a:txBody>
                   <a:tcPr marL="93223" marR="93223" marT="46611" marB="46611" anchor="ctr"/>
@@ -23906,13 +23926,13 @@
   <p:clrMapOvr>
     <a:masterClrMapping/>
   </p:clrMapOvr>
-  <p:transition xmlns:p14="http://schemas.microsoft.com/office/powerpoint/2010/main">
+  <p:transition>
     <p:fade/>
   </p:transition>
   <p:timing>
     <p:tnLst>
       <p:par>
-        <p:cTn xmlns:p14="http://schemas.microsoft.com/office/powerpoint/2010/main" id="1" dur="indefinite" restart="never" nodeType="tmRoot"/>
+        <p:cTn id="1" dur="indefinite" restart="never" nodeType="tmRoot"/>
       </p:par>
     </p:tnLst>
   </p:timing>
@@ -24048,7 +24068,7 @@
   <p:timing>
     <p:tnLst>
       <p:par>
-        <p:cTn xmlns:p14="http://schemas.microsoft.com/office/powerpoint/2010/main" id="1" dur="indefinite" restart="never" nodeType="tmRoot"/>
+        <p:cTn id="1" dur="indefinite" restart="never" nodeType="tmRoot"/>
       </p:par>
     </p:tnLst>
   </p:timing>
@@ -24147,7 +24167,7 @@
   <p:timing>
     <p:tnLst>
       <p:par>
-        <p:cTn xmlns:p14="http://schemas.microsoft.com/office/powerpoint/2010/main" id="1" dur="indefinite" restart="never" nodeType="tmRoot"/>
+        <p:cTn id="1" dur="indefinite" restart="never" nodeType="tmRoot"/>
       </p:par>
     </p:tnLst>
   </p:timing>
@@ -24289,7 +24309,7 @@
   <p:timing>
     <p:tnLst>
       <p:par>
-        <p:cTn xmlns:p14="http://schemas.microsoft.com/office/powerpoint/2010/main" id="1" dur="indefinite" restart="never" nodeType="tmRoot"/>
+        <p:cTn id="1" dur="indefinite" restart="never" nodeType="tmRoot"/>
       </p:par>
     </p:tnLst>
   </p:timing>
@@ -24372,13 +24392,13 @@
   <p:clrMapOvr>
     <a:masterClrMapping/>
   </p:clrMapOvr>
-  <p:transition xmlns:p14="http://schemas.microsoft.com/office/powerpoint/2010/main">
+  <p:transition>
     <p:fade/>
   </p:transition>
   <p:timing>
     <p:tnLst>
       <p:par>
-        <p:cTn xmlns:p14="http://schemas.microsoft.com/office/powerpoint/2010/main" id="1" dur="indefinite" restart="never" nodeType="tmRoot"/>
+        <p:cTn id="1" dur="indefinite" restart="never" nodeType="tmRoot"/>
       </p:par>
     </p:tnLst>
   </p:timing>
@@ -24462,13 +24482,13 @@
   <p:clrMapOvr>
     <a:masterClrMapping/>
   </p:clrMapOvr>
-  <p:transition xmlns:p14="http://schemas.microsoft.com/office/powerpoint/2010/main">
+  <p:transition>
     <p:fade/>
   </p:transition>
   <p:timing>
     <p:tnLst>
       <p:par>
-        <p:cTn xmlns:p14="http://schemas.microsoft.com/office/powerpoint/2010/main" id="1" dur="indefinite" restart="never" nodeType="tmRoot"/>
+        <p:cTn id="1" dur="indefinite" restart="never" nodeType="tmRoot"/>
       </p:par>
     </p:tnLst>
   </p:timing>
@@ -24596,7 +24616,7 @@
   <p:timing>
     <p:tnLst>
       <p:par>
-        <p:cTn xmlns:p14="http://schemas.microsoft.com/office/powerpoint/2010/main" id="1" dur="indefinite" restart="never" nodeType="tmRoot"/>
+        <p:cTn id="1" dur="indefinite" restart="never" nodeType="tmRoot"/>
       </p:par>
     </p:tnLst>
   </p:timing>
@@ -24838,13 +24858,13 @@
   <p:clrMapOvr>
     <a:masterClrMapping/>
   </p:clrMapOvr>
-  <p:transition xmlns:p14="http://schemas.microsoft.com/office/powerpoint/2010/main">
+  <p:transition>
     <p:fade/>
   </p:transition>
   <p:timing>
     <p:tnLst>
       <p:par>
-        <p:cTn xmlns:p14="http://schemas.microsoft.com/office/powerpoint/2010/main" id="1" dur="indefinite" restart="never" nodeType="tmRoot"/>
+        <p:cTn id="1" dur="indefinite" restart="never" nodeType="tmRoot"/>
       </p:par>
     </p:tnLst>
   </p:timing>
@@ -24998,13 +25018,13 @@
   <p:clrMapOvr>
     <a:masterClrMapping/>
   </p:clrMapOvr>
-  <p:transition xmlns:p14="http://schemas.microsoft.com/office/powerpoint/2010/main">
+  <p:transition>
     <p:fade/>
   </p:transition>
   <p:timing>
     <p:tnLst>
       <p:par>
-        <p:cTn xmlns:p14="http://schemas.microsoft.com/office/powerpoint/2010/main" id="1" dur="indefinite" restart="never" nodeType="tmRoot"/>
+        <p:cTn id="1" dur="indefinite" restart="never" nodeType="tmRoot"/>
       </p:par>
     </p:tnLst>
   </p:timing>
@@ -25091,13 +25111,13 @@
   <p:clrMapOvr>
     <a:masterClrMapping/>
   </p:clrMapOvr>
-  <p:transition xmlns:p14="http://schemas.microsoft.com/office/powerpoint/2010/main">
+  <p:transition>
     <p:fade/>
   </p:transition>
   <p:timing>
     <p:tnLst>
       <p:par>
-        <p:cTn xmlns:p14="http://schemas.microsoft.com/office/powerpoint/2010/main" id="1" dur="indefinite" restart="never" nodeType="tmRoot"/>
+        <p:cTn id="1" dur="indefinite" restart="never" nodeType="tmRoot"/>
       </p:par>
     </p:tnLst>
   </p:timing>
@@ -25240,7 +25260,7 @@
   <p:timing>
     <p:tnLst>
       <p:par>
-        <p:cTn xmlns:p14="http://schemas.microsoft.com/office/powerpoint/2010/main" id="1" dur="indefinite" restart="never" nodeType="tmRoot"/>
+        <p:cTn id="1" dur="indefinite" restart="never" nodeType="tmRoot"/>
       </p:par>
     </p:tnLst>
   </p:timing>
@@ -25336,13 +25356,13 @@
   <p:clrMapOvr>
     <a:masterClrMapping/>
   </p:clrMapOvr>
-  <p:transition xmlns:p14="http://schemas.microsoft.com/office/powerpoint/2010/main">
+  <p:transition>
     <p:fade/>
   </p:transition>
   <p:timing>
     <p:tnLst>
       <p:par>
-        <p:cTn xmlns:p14="http://schemas.microsoft.com/office/powerpoint/2010/main" id="1" dur="indefinite" restart="never" nodeType="tmRoot"/>
+        <p:cTn id="1" dur="indefinite" restart="never" nodeType="tmRoot"/>
       </p:par>
     </p:tnLst>
   </p:timing>
@@ -25537,7 +25557,7 @@
   <p:timing>
     <p:tnLst>
       <p:par>
-        <p:cTn xmlns:p14="http://schemas.microsoft.com/office/powerpoint/2010/main" id="1" dur="indefinite" restart="never" nodeType="tmRoot"/>
+        <p:cTn id="1" dur="indefinite" restart="never" nodeType="tmRoot"/>
       </p:par>
     </p:tnLst>
   </p:timing>
@@ -25680,7 +25700,7 @@
   <p:timing>
     <p:tnLst>
       <p:par>
-        <p:cTn xmlns:p14="http://schemas.microsoft.com/office/powerpoint/2010/main" id="1" dur="indefinite" restart="never" nodeType="tmRoot"/>
+        <p:cTn id="1" dur="indefinite" restart="never" nodeType="tmRoot"/>
       </p:par>
     </p:tnLst>
   </p:timing>
@@ -25757,13 +25777,13 @@
   <p:clrMapOvr>
     <a:masterClrMapping/>
   </p:clrMapOvr>
-  <p:transition xmlns:p14="http://schemas.microsoft.com/office/powerpoint/2010/main">
+  <p:transition>
     <p:fade/>
   </p:transition>
   <p:timing>
     <p:tnLst>
       <p:par>
-        <p:cTn xmlns:p14="http://schemas.microsoft.com/office/powerpoint/2010/main" id="1" dur="indefinite" restart="never" nodeType="tmRoot"/>
+        <p:cTn id="1" dur="indefinite" restart="never" nodeType="tmRoot"/>
       </p:par>
     </p:tnLst>
   </p:timing>
@@ -25933,7 +25953,7 @@
   <p:timing>
     <p:tnLst>
       <p:par>
-        <p:cTn xmlns:p14="http://schemas.microsoft.com/office/powerpoint/2010/main" id="1" dur="indefinite" restart="never" nodeType="tmRoot"/>
+        <p:cTn id="1" dur="indefinite" restart="never" nodeType="tmRoot"/>
       </p:par>
     </p:tnLst>
   </p:timing>
@@ -26063,14 +26083,14 @@
           <a:effectLst/>
           <a:extLst>
             <a:ext uri="{909E8E84-426E-40dd-AFC4-6F175D3DCCD1}">
-              <a14:hiddenFill xmlns:a14="http://schemas.microsoft.com/office/drawing/2010/main">
+              <a14:hiddenFill xmlns:a14="http://schemas.microsoft.com/office/drawing/2010/main" xmlns="">
                 <a:solidFill>
                   <a:schemeClr val="accent1"/>
                 </a:solidFill>
               </a14:hiddenFill>
             </a:ext>
             <a:ext uri="{91240B29-F687-4f45-9708-019B960494DF}">
-              <a14:hiddenLine xmlns:a14="http://schemas.microsoft.com/office/drawing/2010/main" w="9525">
+              <a14:hiddenLine xmlns:a14="http://schemas.microsoft.com/office/drawing/2010/main" xmlns="" w="9525">
                 <a:solidFill>
                   <a:schemeClr val="tx1"/>
                 </a:solidFill>
@@ -26080,7 +26100,7 @@
               </a14:hiddenLine>
             </a:ext>
             <a:ext uri="{AF507438-7753-43e0-B8FC-AC1667EBCBE1}">
-              <a14:hiddenEffects xmlns:a14="http://schemas.microsoft.com/office/drawing/2010/main">
+              <a14:hiddenEffects xmlns:a14="http://schemas.microsoft.com/office/drawing/2010/main" xmlns="">
                 <a:effectLst>
                   <a:outerShdw dist="35921" dir="2700000" algn="ctr" rotWithShape="0">
                     <a:schemeClr val="bg2"/>
@@ -26126,14 +26146,14 @@
           <a:effectLst/>
           <a:extLst>
             <a:ext uri="{909E8E84-426E-40dd-AFC4-6F175D3DCCD1}">
-              <a14:hiddenFill xmlns:a14="http://schemas.microsoft.com/office/drawing/2010/main">
+              <a14:hiddenFill xmlns:a14="http://schemas.microsoft.com/office/drawing/2010/main" xmlns="">
                 <a:solidFill>
                   <a:schemeClr val="accent1"/>
                 </a:solidFill>
               </a14:hiddenFill>
             </a:ext>
             <a:ext uri="{91240B29-F687-4f45-9708-019B960494DF}">
-              <a14:hiddenLine xmlns:a14="http://schemas.microsoft.com/office/drawing/2010/main" w="9525">
+              <a14:hiddenLine xmlns:a14="http://schemas.microsoft.com/office/drawing/2010/main" xmlns="" w="9525">
                 <a:solidFill>
                   <a:schemeClr val="tx1"/>
                 </a:solidFill>
@@ -26143,7 +26163,7 @@
               </a14:hiddenLine>
             </a:ext>
             <a:ext uri="{AF507438-7753-43e0-B8FC-AC1667EBCBE1}">
-              <a14:hiddenEffects xmlns:a14="http://schemas.microsoft.com/office/drawing/2010/main">
+              <a14:hiddenEffects xmlns:a14="http://schemas.microsoft.com/office/drawing/2010/main" xmlns="">
                 <a:effectLst>
                   <a:outerShdw dist="35921" dir="2700000" algn="ctr" rotWithShape="0">
                     <a:schemeClr val="bg2"/>
@@ -26216,14 +26236,14 @@
             <a:effectLst/>
             <a:extLst>
               <a:ext uri="{909E8E84-426E-40dd-AFC4-6F175D3DCCD1}">
-                <a14:hiddenFill xmlns:a14="http://schemas.microsoft.com/office/drawing/2010/main">
+                <a14:hiddenFill xmlns:a14="http://schemas.microsoft.com/office/drawing/2010/main" xmlns="">
                   <a:solidFill>
                     <a:schemeClr val="accent1"/>
                   </a:solidFill>
                 </a14:hiddenFill>
               </a:ext>
               <a:ext uri="{91240B29-F687-4f45-9708-019B960494DF}">
-                <a14:hiddenLine xmlns:a14="http://schemas.microsoft.com/office/drawing/2010/main" w="9525">
+                <a14:hiddenLine xmlns:a14="http://schemas.microsoft.com/office/drawing/2010/main" xmlns="" w="9525">
                   <a:solidFill>
                     <a:schemeClr val="tx1"/>
                   </a:solidFill>
@@ -26233,7 +26253,7 @@
                 </a14:hiddenLine>
               </a:ext>
               <a:ext uri="{AF507438-7753-43e0-B8FC-AC1667EBCBE1}">
-                <a14:hiddenEffects xmlns:a14="http://schemas.microsoft.com/office/drawing/2010/main">
+                <a14:hiddenEffects xmlns:a14="http://schemas.microsoft.com/office/drawing/2010/main" xmlns="">
                   <a:effectLst>
                     <a:outerShdw dist="35921" dir="2700000" algn="ctr" rotWithShape="0">
                       <a:schemeClr val="bg2"/>
@@ -26280,14 +26300,14 @@
             <a:effectLst/>
             <a:extLst>
               <a:ext uri="{909E8E84-426E-40dd-AFC4-6F175D3DCCD1}">
-                <a14:hiddenFill xmlns:a14="http://schemas.microsoft.com/office/drawing/2010/main">
+                <a14:hiddenFill xmlns:a14="http://schemas.microsoft.com/office/drawing/2010/main" xmlns="">
                   <a:solidFill>
                     <a:schemeClr val="accent1"/>
                   </a:solidFill>
                 </a14:hiddenFill>
               </a:ext>
               <a:ext uri="{91240B29-F687-4f45-9708-019B960494DF}">
-                <a14:hiddenLine xmlns:a14="http://schemas.microsoft.com/office/drawing/2010/main" w="9525">
+                <a14:hiddenLine xmlns:a14="http://schemas.microsoft.com/office/drawing/2010/main" xmlns="" w="9525">
                   <a:solidFill>
                     <a:schemeClr val="tx1"/>
                   </a:solidFill>
@@ -26297,7 +26317,7 @@
                 </a14:hiddenLine>
               </a:ext>
               <a:ext uri="{AF507438-7753-43e0-B8FC-AC1667EBCBE1}">
-                <a14:hiddenEffects xmlns:a14="http://schemas.microsoft.com/office/drawing/2010/main">
+                <a14:hiddenEffects xmlns:a14="http://schemas.microsoft.com/office/drawing/2010/main" xmlns="">
                   <a:effectLst>
                     <a:outerShdw dist="35921" dir="2700000" algn="ctr" rotWithShape="0">
                       <a:schemeClr val="bg2"/>
@@ -26344,14 +26364,14 @@
             <a:effectLst/>
             <a:extLst>
               <a:ext uri="{909E8E84-426E-40dd-AFC4-6F175D3DCCD1}">
-                <a14:hiddenFill xmlns:a14="http://schemas.microsoft.com/office/drawing/2010/main">
+                <a14:hiddenFill xmlns:a14="http://schemas.microsoft.com/office/drawing/2010/main" xmlns="">
                   <a:solidFill>
                     <a:schemeClr val="accent1"/>
                   </a:solidFill>
                 </a14:hiddenFill>
               </a:ext>
               <a:ext uri="{91240B29-F687-4f45-9708-019B960494DF}">
-                <a14:hiddenLine xmlns:a14="http://schemas.microsoft.com/office/drawing/2010/main" w="9525">
+                <a14:hiddenLine xmlns:a14="http://schemas.microsoft.com/office/drawing/2010/main" xmlns="" w="9525">
                   <a:solidFill>
                     <a:schemeClr val="tx1"/>
                   </a:solidFill>
@@ -26361,7 +26381,7 @@
                 </a14:hiddenLine>
               </a:ext>
               <a:ext uri="{AF507438-7753-43e0-B8FC-AC1667EBCBE1}">
-                <a14:hiddenEffects xmlns:a14="http://schemas.microsoft.com/office/drawing/2010/main">
+                <a14:hiddenEffects xmlns:a14="http://schemas.microsoft.com/office/drawing/2010/main" xmlns="">
                   <a:effectLst>
                     <a:outerShdw dist="35921" dir="2700000" algn="ctr" rotWithShape="0">
                       <a:schemeClr val="bg2"/>
@@ -26394,7 +26414,7 @@
   <p:timing>
     <p:tnLst>
       <p:par>
-        <p:cTn xmlns:p14="http://schemas.microsoft.com/office/powerpoint/2010/main" id="1" dur="indefinite" restart="never" nodeType="tmRoot"/>
+        <p:cTn id="1" dur="indefinite" restart="never" nodeType="tmRoot"/>
       </p:par>
     </p:tnLst>
   </p:timing>
@@ -26555,7 +26575,7 @@
   <p:timing>
     <p:tnLst>
       <p:par>
-        <p:cTn xmlns:p14="http://schemas.microsoft.com/office/powerpoint/2010/main" id="1" dur="indefinite" restart="never" nodeType="tmRoot"/>
+        <p:cTn id="1" dur="indefinite" restart="never" nodeType="tmRoot"/>
       </p:par>
     </p:tnLst>
   </p:timing>
@@ -27288,7 +27308,7 @@
   <p:timing>
     <p:tnLst>
       <p:par>
-        <p:cTn xmlns:p14="http://schemas.microsoft.com/office/powerpoint/2010/main" id="1" dur="indefinite" restart="never" nodeType="tmRoot"/>
+        <p:cTn id="1" dur="indefinite" restart="never" nodeType="tmRoot"/>
       </p:par>
     </p:tnLst>
   </p:timing>
@@ -27582,7 +27602,7 @@
   <a:extraClrSchemeLst/>
   <a:extLst>
     <a:ext uri="{05A4C25C-085E-4340-85A3-A5531E510DB2}">
-      <thm15:themeFamily xmlns="" xmlns:thm15="http://schemas.microsoft.com/office/thememl/2012/main" name="Office_Template_16x9_WHITE.potx" id="{BAC85760-2BE3-4369-8D6A-792FA239637A}" vid="{0B6ECECE-D832-4A6D-9382-4D4E764C03DC}"/>
+      <thm15:themeFamily xmlns:thm15="http://schemas.microsoft.com/office/thememl/2012/main" name="Office_Template_16x9_WHITE.potx" id="{BAC85760-2BE3-4369-8D6A-792FA239637A}" vid="{0B6ECECE-D832-4A6D-9382-4D4E764C03DC}"/>
     </a:ext>
   </a:extLst>
 </a:theme>
@@ -27884,7 +27904,7 @@
   <a:extraClrSchemeLst/>
   <a:extLst>
     <a:ext uri="{05A4C25C-085E-4340-85A3-A5531E510DB2}">
-      <thm15:themeFamily xmlns="" xmlns:thm15="http://schemas.microsoft.com/office/thememl/2012/main" name="TENA14Speaker_PPT_Template [Read-Only]" id="{2A7DA4F6-E863-44BA-B064-9E5DF871FA15}" vid="{CA2D5409-25F5-4284-AE71-EC20238C5228}"/>
+      <thm15:themeFamily xmlns:thm15="http://schemas.microsoft.com/office/thememl/2012/main" name="TENA14Speaker_PPT_Template [Read-Only]" id="{2A7DA4F6-E863-44BA-B064-9E5DF871FA15}" vid="{CA2D5409-25F5-4284-AE71-EC20238C5228}"/>
     </a:ext>
   </a:extLst>
 </a:theme>
@@ -28177,7 +28197,7 @@
   <a:extraClrSchemeLst/>
   <a:extLst>
     <a:ext uri="{05A4C25C-085E-4340-85A3-A5531E510DB2}">
-      <thm15:themeFamily xmlns="" xmlns:thm15="http://schemas.microsoft.com/office/thememl/2012/main" name="Office_Template_16x9_WHITE.potx" id="{BAC85760-2BE3-4369-8D6A-792FA239637A}" vid="{0B6ECECE-D832-4A6D-9382-4D4E764C03DC}"/>
+      <thm15:themeFamily xmlns:thm15="http://schemas.microsoft.com/office/thememl/2012/main" name="Office_Template_16x9_WHITE.potx" id="{BAC85760-2BE3-4369-8D6A-792FA239637A}" vid="{0B6ECECE-D832-4A6D-9382-4D4E764C03DC}"/>
     </a:ext>
   </a:extLst>
 </a:theme>
@@ -29041,6 +29061,45 @@
 </file>
 
 <file path=customXml/item1.xml><?xml version="1.0" encoding="utf-8"?>
+<p:properties xmlns:p="http://schemas.microsoft.com/office/2006/metadata/properties" xmlns:xsi="http://www.w3.org/2001/XMLSchema-instance" xmlns:pc="http://schemas.microsoft.com/office/infopath/2007/PartnerControls">
+  <documentManagement>
+    <SharedWithUsers xmlns="5fad15d0-477e-40da-a20d-40d4ca777cbd">
+      <UserInfo>
+        <DisplayName>Steve Walker</DisplayName>
+        <AccountId>30</AccountId>
+        <AccountType/>
+      </UserInfo>
+      <UserInfo>
+        <DisplayName>Alyssa Jones</DisplayName>
+        <AccountId>290</AccountId>
+        <AccountType/>
+      </UserInfo>
+      <UserInfo>
+        <DisplayName>Chakkaradeep (Chaks) Chinnakonda Chandran</DisplayName>
+        <AccountId>285</AccountId>
+        <AccountType/>
+      </UserInfo>
+      <UserInfo>
+        <DisplayName>Brian Jones (OFFICE)</DisplayName>
+        <AccountId>15</AccountId>
+        <AccountType/>
+      </UserInfo>
+      <UserInfo>
+        <DisplayName>Sine Rix</DisplayName>
+        <AccountId>305</AccountId>
+        <AccountType/>
+      </UserInfo>
+      <UserInfo>
+        <DisplayName>Rob Howard (SHAREPOINT)</DisplayName>
+        <AccountId>27</AccountId>
+        <AccountType/>
+      </UserInfo>
+    </SharedWithUsers>
+  </documentManagement>
+</p:properties>
+</file>
+
+<file path=customXml/item2.xml><?xml version="1.0" encoding="utf-8"?>
 <ct:contentTypeSchema xmlns:ct="http://schemas.microsoft.com/office/2006/metadata/contentType" xmlns:ma="http://schemas.microsoft.com/office/2006/metadata/properties/metaAttributes" ct:_="" ma:_="" ma:contentTypeName="Document" ma:contentTypeID="0x010100A2E4C90AA7333249A7DBC8CC6F49919B" ma:contentTypeVersion="1" ma:contentTypeDescription="Create a new document." ma:contentTypeScope="" ma:versionID="e7b09f0f38d7ed30c7da14951e97abcc">
   <xsd:schema xmlns:xsd="http://www.w3.org/2001/XMLSchema" xmlns:xs="http://www.w3.org/2001/XMLSchema" xmlns:p="http://schemas.microsoft.com/office/2006/metadata/properties" xmlns:ns2="5fad15d0-477e-40da-a20d-40d4ca777cbd" targetNamespace="http://schemas.microsoft.com/office/2006/metadata/properties" ma:root="true" ma:fieldsID="0cee24db179c30c5ebec40b677cadf70" ns2:_="">
     <xsd:import namespace="5fad15d0-477e-40da-a20d-40d4ca777cbd"/>
@@ -29180,45 +29239,6 @@
 </ct:contentTypeSchema>
 </file>
 
-<file path=customXml/item2.xml><?xml version="1.0" encoding="utf-8"?>
-<p:properties xmlns:p="http://schemas.microsoft.com/office/2006/metadata/properties" xmlns:xsi="http://www.w3.org/2001/XMLSchema-instance" xmlns:pc="http://schemas.microsoft.com/office/infopath/2007/PartnerControls">
-  <documentManagement>
-    <SharedWithUsers xmlns="5fad15d0-477e-40da-a20d-40d4ca777cbd">
-      <UserInfo>
-        <DisplayName>Steve Walker</DisplayName>
-        <AccountId>30</AccountId>
-        <AccountType/>
-      </UserInfo>
-      <UserInfo>
-        <DisplayName>Alyssa Jones</DisplayName>
-        <AccountId>290</AccountId>
-        <AccountType/>
-      </UserInfo>
-      <UserInfo>
-        <DisplayName>Chakkaradeep (Chaks) Chinnakonda Chandran</DisplayName>
-        <AccountId>285</AccountId>
-        <AccountType/>
-      </UserInfo>
-      <UserInfo>
-        <DisplayName>Brian Jones (OFFICE)</DisplayName>
-        <AccountId>15</AccountId>
-        <AccountType/>
-      </UserInfo>
-      <UserInfo>
-        <DisplayName>Sine Rix</DisplayName>
-        <AccountId>305</AccountId>
-        <AccountType/>
-      </UserInfo>
-      <UserInfo>
-        <DisplayName>Rob Howard (SHAREPOINT)</DisplayName>
-        <AccountId>27</AccountId>
-        <AccountType/>
-      </UserInfo>
-    </SharedWithUsers>
-  </documentManagement>
-</p:properties>
-</file>
-
 <file path=customXml/item3.xml><?xml version="1.0" encoding="utf-8"?>
 <?mso-contentType ?>
 <FormTemplates xmlns="http://schemas.microsoft.com/sharepoint/v3/contenttype/forms">
@@ -29229,6 +29249,22 @@
 </file>
 
 <file path=customXml/itemProps1.xml><?xml version="1.0" encoding="utf-8"?>
+<ds:datastoreItem xmlns:ds="http://schemas.openxmlformats.org/officeDocument/2006/customXml" ds:itemID="{F990F116-B58F-4255-B05B-DA3808E0E5C6}">
+  <ds:schemaRefs>
+    <ds:schemaRef ds:uri="http://purl.org/dc/elements/1.1/"/>
+    <ds:schemaRef ds:uri="http://schemas.microsoft.com/office/2006/documentManagement/types"/>
+    <ds:schemaRef ds:uri="http://purl.org/dc/terms/"/>
+    <ds:schemaRef ds:uri="5fad15d0-477e-40da-a20d-40d4ca777cbd"/>
+    <ds:schemaRef ds:uri="http://purl.org/dc/dcmitype/"/>
+    <ds:schemaRef ds:uri="http://schemas.microsoft.com/office/infopath/2007/PartnerControls"/>
+    <ds:schemaRef ds:uri="http://schemas.openxmlformats.org/package/2006/metadata/core-properties"/>
+    <ds:schemaRef ds:uri="http://schemas.microsoft.com/office/2006/metadata/properties"/>
+    <ds:schemaRef ds:uri="http://www.w3.org/XML/1998/namespace"/>
+  </ds:schemaRefs>
+</ds:datastoreItem>
+</file>
+
+<file path=customXml/itemProps2.xml><?xml version="1.0" encoding="utf-8"?>
 <ds:datastoreItem xmlns:ds="http://schemas.openxmlformats.org/officeDocument/2006/customXml" ds:itemID="{3E26BE3D-D44C-4CB8-A2DB-E695B51F895A}">
   <ds:schemaRefs>
     <ds:schemaRef ds:uri="http://schemas.microsoft.com/office/2006/metadata/contentType"/>
@@ -29246,22 +29282,6 @@
 </ds:datastoreItem>
 </file>
 
-<file path=customXml/itemProps2.xml><?xml version="1.0" encoding="utf-8"?>
-<ds:datastoreItem xmlns:ds="http://schemas.openxmlformats.org/officeDocument/2006/customXml" ds:itemID="{F990F116-B58F-4255-B05B-DA3808E0E5C6}">
-  <ds:schemaRefs>
-    <ds:schemaRef ds:uri="http://purl.org/dc/elements/1.1/"/>
-    <ds:schemaRef ds:uri="http://schemas.microsoft.com/office/2006/documentManagement/types"/>
-    <ds:schemaRef ds:uri="http://purl.org/dc/terms/"/>
-    <ds:schemaRef ds:uri="5fad15d0-477e-40da-a20d-40d4ca777cbd"/>
-    <ds:schemaRef ds:uri="http://purl.org/dc/dcmitype/"/>
-    <ds:schemaRef ds:uri="http://schemas.microsoft.com/office/infopath/2007/PartnerControls"/>
-    <ds:schemaRef ds:uri="http://schemas.openxmlformats.org/package/2006/metadata/core-properties"/>
-    <ds:schemaRef ds:uri="http://schemas.microsoft.com/office/2006/metadata/properties"/>
-    <ds:schemaRef ds:uri="http://www.w3.org/XML/1998/namespace"/>
-  </ds:schemaRefs>
-</ds:datastoreItem>
-</file>
-
 <file path=customXml/itemProps3.xml><?xml version="1.0" encoding="utf-8"?>
 <ds:datastoreItem xmlns:ds="http://schemas.openxmlformats.org/officeDocument/2006/customXml" ds:itemID="{758FDAC0-319D-4A54-8D8E-1D42CB1F8004}">
   <ds:schemaRefs>

--- a/05.Hook into Apps for Office/05.Hook into Apps for Office.pptx
+++ b/05.Hook into Apps for Office/05.Hook into Apps for Office.pptx
@@ -293,7 +293,7 @@
               <a:rPr lang="en-US" smtClean="0">
                 <a:latin typeface="Segoe UI" pitchFamily="34" charset="0"/>
               </a:rPr>
-              <a:t>10/24/2014</a:t>
+              <a:t>10/27/2014</a:t>
             </a:fld>
             <a:endParaRPr lang="en-US" dirty="0">
               <a:latin typeface="Segoe UI" pitchFamily="34" charset="0"/>
@@ -556,7 +556,7 @@
           <a:p>
             <a:fld id="{E74353ED-ACB2-44BF-A903-985B0AF962B7}" type="datetime1">
               <a:rPr lang="en-US" smtClean="0"/>
-              <a:t>10/24/2014</a:t>
+              <a:t>10/27/2014</a:t>
             </a:fld>
             <a:endParaRPr lang="en-US" dirty="0"/>
           </a:p>
@@ -1072,7 +1072,7 @@
           <a:p>
             <a:fld id="{F520EA6B-12B9-470C-8032-CF7B89111BB8}" type="datetime1">
               <a:rPr lang="en-US" smtClean="0"/>
-              <a:t>10/24/2014</a:t>
+              <a:t>10/27/2014</a:t>
             </a:fld>
             <a:endParaRPr lang="en-US"/>
           </a:p>
@@ -1294,7 +1294,7 @@
           <a:p>
             <a:fld id="{FC5F0E7A-DD5F-4903-B380-98FDBDD8F972}" type="datetime1">
               <a:rPr lang="en-US" smtClean="0"/>
-              <a:t>10/24/2014</a:t>
+              <a:t>10/27/2014</a:t>
             </a:fld>
             <a:endParaRPr lang="en-US"/>
           </a:p>
@@ -1508,7 +1508,7 @@
           <a:p>
             <a:fld id="{64469F49-A1F5-4E7A-A41B-14BD8D8FB2E1}" type="datetime1">
               <a:rPr lang="en-US" smtClean="0"/>
-              <a:t>10/24/2014</a:t>
+              <a:t>10/27/2014</a:t>
             </a:fld>
             <a:endParaRPr lang="en-US"/>
           </a:p>
@@ -1905,7 +1905,7 @@
           <a:p>
             <a:fld id="{68584938-3506-4DA6-B670-23FF647A9E8B}" type="datetime1">
               <a:rPr lang="en-US" smtClean="0"/>
-              <a:t>10/24/2014</a:t>
+              <a:t>10/27/2014</a:t>
             </a:fld>
             <a:endParaRPr lang="en-US"/>
           </a:p>
@@ -2176,7 +2176,7 @@
           <a:p>
             <a:fld id="{05E1850F-7595-48D2-899E-D3C1304F8E26}" type="datetime1">
               <a:rPr lang="en-US" smtClean="0"/>
-              <a:t>10/24/2014</a:t>
+              <a:t>10/27/2014</a:t>
             </a:fld>
             <a:endParaRPr lang="en-US"/>
           </a:p>
@@ -2757,7 +2757,7 @@
           <a:p>
             <a:fld id="{B079C3B8-7366-4A44-A34B-3977080C19E7}" type="datetime1">
               <a:rPr lang="en-US" smtClean="0"/>
-              <a:t>10/24/2014</a:t>
+              <a:t>10/27/2014</a:t>
             </a:fld>
             <a:endParaRPr lang="en-US" dirty="0"/>
           </a:p>
@@ -2942,7 +2942,7 @@
           <a:p>
             <a:fld id="{E74353ED-ACB2-44BF-A903-985B0AF962B7}" type="datetime1">
               <a:rPr lang="en-US" smtClean="0"/>
-              <a:t>10/24/2014</a:t>
+              <a:t>10/27/2014</a:t>
             </a:fld>
             <a:endParaRPr lang="en-US" dirty="0"/>
           </a:p>
@@ -3104,7 +3104,7 @@
           <a:p>
             <a:fld id="{B079C3B8-7366-4A44-A34B-3977080C19E7}" type="datetime1">
               <a:rPr lang="en-US" smtClean="0"/>
-              <a:t>10/24/2014</a:t>
+              <a:t>10/27/2014</a:t>
             </a:fld>
             <a:endParaRPr lang="en-US" dirty="0"/>
           </a:p>
@@ -3346,7 +3346,7 @@
           <a:p>
             <a:fld id="{0BB6559B-C68D-49B4-97AE-9BB74C417927}" type="datetime1">
               <a:rPr lang="en-US" smtClean="0"/>
-              <a:t>10/24/2014</a:t>
+              <a:t>10/27/2014</a:t>
             </a:fld>
             <a:endParaRPr lang="en-US"/>
           </a:p>
@@ -3509,7 +3509,7 @@
           <a:p>
             <a:fld id="{015232D4-6E30-4A26-A2CA-8531DCB72EA6}" type="datetime1">
               <a:rPr lang="en-US" smtClean="0"/>
-              <a:t>10/24/2014</a:t>
+              <a:t>10/27/2014</a:t>
             </a:fld>
             <a:endParaRPr lang="en-US"/>
           </a:p>
@@ -3889,7 +3889,7 @@
           <a:p>
             <a:fld id="{9FEEF74C-1007-402E-B0A6-22E0FEB3AB9E}" type="datetime1">
               <a:rPr lang="en-US" smtClean="0"/>
-              <a:t>10/24/2014</a:t>
+              <a:t>10/27/2014</a:t>
             </a:fld>
             <a:endParaRPr lang="en-US"/>
           </a:p>
@@ -4122,7 +4122,7 @@
           <a:p>
             <a:fld id="{0963315D-FADD-47D1-B04E-85DCA5AF53D6}" type="datetime1">
               <a:rPr lang="en-US" smtClean="0"/>
-              <a:t>10/24/2014</a:t>
+              <a:t>10/27/2014</a:t>
             </a:fld>
             <a:endParaRPr lang="en-US"/>
           </a:p>
@@ -4364,7 +4364,7 @@
           <a:p>
             <a:fld id="{F158C575-4F53-44CC-8D6E-CAE5944D2CEA}" type="datetime1">
               <a:rPr lang="en-US" smtClean="0"/>
-              <a:t>10/24/2014</a:t>
+              <a:t>10/27/2014</a:t>
             </a:fld>
             <a:endParaRPr lang="en-US"/>
           </a:p>
@@ -4652,7 +4652,7 @@
           <a:p>
             <a:fld id="{520542AC-2E5E-4BC8-BBEE-E2E42C12BB55}" type="datetime1">
               <a:rPr lang="en-US" smtClean="0"/>
-              <a:t>10/24/2014</a:t>
+              <a:t>10/27/2014</a:t>
             </a:fld>
             <a:endParaRPr lang="en-US"/>
           </a:p>
@@ -22016,10 +22016,6 @@
           <a:bodyPr/>
           <a:lstStyle/>
           <a:p>
-            <a:r>
-              <a:rPr lang="en-US" dirty="0" smtClean="0"/>
-              <a:t>September 2014</a:t>
-            </a:r>
             <a:endParaRPr lang="en-US" dirty="0"/>
           </a:p>
         </p:txBody>
@@ -23707,7 +23703,7 @@
                 <a:gridCol w="11448519">
                   <a:extLst>
                     <a:ext uri="{9D8B030D-6E8A-4147-A177-3AD203B41FA5}">
-                      <a16:colId xmlns:a16="http://schemas.microsoft.com/office/drawing/2014/main" xmlns="" val="1253488153"/>
+                      <a16:colId xmlns="" xmlns:a16="http://schemas.microsoft.com/office/drawing/2014/main" val="1253488153"/>
                     </a:ext>
                   </a:extLst>
                 </a:gridCol>
@@ -23729,7 +23725,7 @@
                 </a:tc>
                 <a:extLst>
                   <a:ext uri="{0D108BD9-81ED-4DB2-BD59-A6C34878D82A}">
-                    <a16:rowId xmlns:a16="http://schemas.microsoft.com/office/drawing/2014/main" xmlns="" val="829859176"/>
+                    <a16:rowId xmlns="" xmlns:a16="http://schemas.microsoft.com/office/drawing/2014/main" val="829859176"/>
                   </a:ext>
                 </a:extLst>
               </a:tr>
@@ -23749,7 +23745,7 @@
                 </a:tc>
                 <a:extLst>
                   <a:ext uri="{0D108BD9-81ED-4DB2-BD59-A6C34878D82A}">
-                    <a16:rowId xmlns:a16="http://schemas.microsoft.com/office/drawing/2014/main" xmlns="" val="1946132611"/>
+                    <a16:rowId xmlns="" xmlns:a16="http://schemas.microsoft.com/office/drawing/2014/main" val="1946132611"/>
                   </a:ext>
                 </a:extLst>
               </a:tr>
@@ -23786,7 +23782,7 @@
                 </a:tc>
                 <a:extLst>
                   <a:ext uri="{0D108BD9-81ED-4DB2-BD59-A6C34878D82A}">
-                    <a16:rowId xmlns:a16="http://schemas.microsoft.com/office/drawing/2014/main" xmlns="" val="3204002662"/>
+                    <a16:rowId xmlns="" xmlns:a16="http://schemas.microsoft.com/office/drawing/2014/main" val="3204002662"/>
                   </a:ext>
                 </a:extLst>
               </a:tr>
@@ -23823,7 +23819,7 @@
                 </a:tc>
                 <a:extLst>
                   <a:ext uri="{0D108BD9-81ED-4DB2-BD59-A6C34878D82A}">
-                    <a16:rowId xmlns:a16="http://schemas.microsoft.com/office/drawing/2014/main" xmlns="" val="4266278162"/>
+                    <a16:rowId xmlns="" xmlns:a16="http://schemas.microsoft.com/office/drawing/2014/main" val="4266278162"/>
                   </a:ext>
                 </a:extLst>
               </a:tr>
@@ -23860,11 +23856,7 @@
                       </a:r>
                       <a:r>
                         <a:rPr lang="en-US" sz="2400" smtClean="0"/>
-                        <a:t>365 </a:t>
-                      </a:r>
-                      <a:r>
-                        <a:rPr lang="en-US" sz="2400" smtClean="0"/>
-                        <a:t>APIs</a:t>
+                        <a:t>365 APIs</a:t>
                       </a:r>
                       <a:endParaRPr lang="en-US" sz="2400" dirty="0" smtClean="0"/>
                     </a:p>
@@ -26083,14 +26075,14 @@
           <a:effectLst/>
           <a:extLst>
             <a:ext uri="{909E8E84-426E-40dd-AFC4-6F175D3DCCD1}">
-              <a14:hiddenFill xmlns:a14="http://schemas.microsoft.com/office/drawing/2010/main" xmlns="">
+              <a14:hiddenFill xmlns="" xmlns:a14="http://schemas.microsoft.com/office/drawing/2010/main">
                 <a:solidFill>
                   <a:schemeClr val="accent1"/>
                 </a:solidFill>
               </a14:hiddenFill>
             </a:ext>
             <a:ext uri="{91240B29-F687-4f45-9708-019B960494DF}">
-              <a14:hiddenLine xmlns:a14="http://schemas.microsoft.com/office/drawing/2010/main" xmlns="" w="9525">
+              <a14:hiddenLine xmlns="" xmlns:a14="http://schemas.microsoft.com/office/drawing/2010/main" w="9525">
                 <a:solidFill>
                   <a:schemeClr val="tx1"/>
                 </a:solidFill>
@@ -26100,7 +26092,7 @@
               </a14:hiddenLine>
             </a:ext>
             <a:ext uri="{AF507438-7753-43e0-B8FC-AC1667EBCBE1}">
-              <a14:hiddenEffects xmlns:a14="http://schemas.microsoft.com/office/drawing/2010/main" xmlns="">
+              <a14:hiddenEffects xmlns="" xmlns:a14="http://schemas.microsoft.com/office/drawing/2010/main">
                 <a:effectLst>
                   <a:outerShdw dist="35921" dir="2700000" algn="ctr" rotWithShape="0">
                     <a:schemeClr val="bg2"/>
@@ -26146,14 +26138,14 @@
           <a:effectLst/>
           <a:extLst>
             <a:ext uri="{909E8E84-426E-40dd-AFC4-6F175D3DCCD1}">
-              <a14:hiddenFill xmlns:a14="http://schemas.microsoft.com/office/drawing/2010/main" xmlns="">
+              <a14:hiddenFill xmlns="" xmlns:a14="http://schemas.microsoft.com/office/drawing/2010/main">
                 <a:solidFill>
                   <a:schemeClr val="accent1"/>
                 </a:solidFill>
               </a14:hiddenFill>
             </a:ext>
             <a:ext uri="{91240B29-F687-4f45-9708-019B960494DF}">
-              <a14:hiddenLine xmlns:a14="http://schemas.microsoft.com/office/drawing/2010/main" xmlns="" w="9525">
+              <a14:hiddenLine xmlns="" xmlns:a14="http://schemas.microsoft.com/office/drawing/2010/main" w="9525">
                 <a:solidFill>
                   <a:schemeClr val="tx1"/>
                 </a:solidFill>
@@ -26163,7 +26155,7 @@
               </a14:hiddenLine>
             </a:ext>
             <a:ext uri="{AF507438-7753-43e0-B8FC-AC1667EBCBE1}">
-              <a14:hiddenEffects xmlns:a14="http://schemas.microsoft.com/office/drawing/2010/main" xmlns="">
+              <a14:hiddenEffects xmlns="" xmlns:a14="http://schemas.microsoft.com/office/drawing/2010/main">
                 <a:effectLst>
                   <a:outerShdw dist="35921" dir="2700000" algn="ctr" rotWithShape="0">
                     <a:schemeClr val="bg2"/>
@@ -26236,14 +26228,14 @@
             <a:effectLst/>
             <a:extLst>
               <a:ext uri="{909E8E84-426E-40dd-AFC4-6F175D3DCCD1}">
-                <a14:hiddenFill xmlns:a14="http://schemas.microsoft.com/office/drawing/2010/main" xmlns="">
+                <a14:hiddenFill xmlns="" xmlns:a14="http://schemas.microsoft.com/office/drawing/2010/main">
                   <a:solidFill>
                     <a:schemeClr val="accent1"/>
                   </a:solidFill>
                 </a14:hiddenFill>
               </a:ext>
               <a:ext uri="{91240B29-F687-4f45-9708-019B960494DF}">
-                <a14:hiddenLine xmlns:a14="http://schemas.microsoft.com/office/drawing/2010/main" xmlns="" w="9525">
+                <a14:hiddenLine xmlns="" xmlns:a14="http://schemas.microsoft.com/office/drawing/2010/main" w="9525">
                   <a:solidFill>
                     <a:schemeClr val="tx1"/>
                   </a:solidFill>
@@ -26253,7 +26245,7 @@
                 </a14:hiddenLine>
               </a:ext>
               <a:ext uri="{AF507438-7753-43e0-B8FC-AC1667EBCBE1}">
-                <a14:hiddenEffects xmlns:a14="http://schemas.microsoft.com/office/drawing/2010/main" xmlns="">
+                <a14:hiddenEffects xmlns="" xmlns:a14="http://schemas.microsoft.com/office/drawing/2010/main">
                   <a:effectLst>
                     <a:outerShdw dist="35921" dir="2700000" algn="ctr" rotWithShape="0">
                       <a:schemeClr val="bg2"/>
@@ -26300,14 +26292,14 @@
             <a:effectLst/>
             <a:extLst>
               <a:ext uri="{909E8E84-426E-40dd-AFC4-6F175D3DCCD1}">
-                <a14:hiddenFill xmlns:a14="http://schemas.microsoft.com/office/drawing/2010/main" xmlns="">
+                <a14:hiddenFill xmlns="" xmlns:a14="http://schemas.microsoft.com/office/drawing/2010/main">
                   <a:solidFill>
                     <a:schemeClr val="accent1"/>
                   </a:solidFill>
                 </a14:hiddenFill>
               </a:ext>
               <a:ext uri="{91240B29-F687-4f45-9708-019B960494DF}">
-                <a14:hiddenLine xmlns:a14="http://schemas.microsoft.com/office/drawing/2010/main" xmlns="" w="9525">
+                <a14:hiddenLine xmlns="" xmlns:a14="http://schemas.microsoft.com/office/drawing/2010/main" w="9525">
                   <a:solidFill>
                     <a:schemeClr val="tx1"/>
                   </a:solidFill>
@@ -26317,7 +26309,7 @@
                 </a14:hiddenLine>
               </a:ext>
               <a:ext uri="{AF507438-7753-43e0-B8FC-AC1667EBCBE1}">
-                <a14:hiddenEffects xmlns:a14="http://schemas.microsoft.com/office/drawing/2010/main" xmlns="">
+                <a14:hiddenEffects xmlns="" xmlns:a14="http://schemas.microsoft.com/office/drawing/2010/main">
                   <a:effectLst>
                     <a:outerShdw dist="35921" dir="2700000" algn="ctr" rotWithShape="0">
                       <a:schemeClr val="bg2"/>
@@ -26364,14 +26356,14 @@
             <a:effectLst/>
             <a:extLst>
               <a:ext uri="{909E8E84-426E-40dd-AFC4-6F175D3DCCD1}">
-                <a14:hiddenFill xmlns:a14="http://schemas.microsoft.com/office/drawing/2010/main" xmlns="">
+                <a14:hiddenFill xmlns="" xmlns:a14="http://schemas.microsoft.com/office/drawing/2010/main">
                   <a:solidFill>
                     <a:schemeClr val="accent1"/>
                   </a:solidFill>
                 </a14:hiddenFill>
               </a:ext>
               <a:ext uri="{91240B29-F687-4f45-9708-019B960494DF}">
-                <a14:hiddenLine xmlns:a14="http://schemas.microsoft.com/office/drawing/2010/main" xmlns="" w="9525">
+                <a14:hiddenLine xmlns="" xmlns:a14="http://schemas.microsoft.com/office/drawing/2010/main" w="9525">
                   <a:solidFill>
                     <a:schemeClr val="tx1"/>
                   </a:solidFill>
@@ -26381,7 +26373,7 @@
                 </a14:hiddenLine>
               </a:ext>
               <a:ext uri="{AF507438-7753-43e0-B8FC-AC1667EBCBE1}">
-                <a14:hiddenEffects xmlns:a14="http://schemas.microsoft.com/office/drawing/2010/main" xmlns="">
+                <a14:hiddenEffects xmlns="" xmlns:a14="http://schemas.microsoft.com/office/drawing/2010/main">
                   <a:effectLst>
                     <a:outerShdw dist="35921" dir="2700000" algn="ctr" rotWithShape="0">
                       <a:schemeClr val="bg2"/>
@@ -29061,45 +29053,6 @@
 </file>
 
 <file path=customXml/item1.xml><?xml version="1.0" encoding="utf-8"?>
-<p:properties xmlns:p="http://schemas.microsoft.com/office/2006/metadata/properties" xmlns:xsi="http://www.w3.org/2001/XMLSchema-instance" xmlns:pc="http://schemas.microsoft.com/office/infopath/2007/PartnerControls">
-  <documentManagement>
-    <SharedWithUsers xmlns="5fad15d0-477e-40da-a20d-40d4ca777cbd">
-      <UserInfo>
-        <DisplayName>Steve Walker</DisplayName>
-        <AccountId>30</AccountId>
-        <AccountType/>
-      </UserInfo>
-      <UserInfo>
-        <DisplayName>Alyssa Jones</DisplayName>
-        <AccountId>290</AccountId>
-        <AccountType/>
-      </UserInfo>
-      <UserInfo>
-        <DisplayName>Chakkaradeep (Chaks) Chinnakonda Chandran</DisplayName>
-        <AccountId>285</AccountId>
-        <AccountType/>
-      </UserInfo>
-      <UserInfo>
-        <DisplayName>Brian Jones (OFFICE)</DisplayName>
-        <AccountId>15</AccountId>
-        <AccountType/>
-      </UserInfo>
-      <UserInfo>
-        <DisplayName>Sine Rix</DisplayName>
-        <AccountId>305</AccountId>
-        <AccountType/>
-      </UserInfo>
-      <UserInfo>
-        <DisplayName>Rob Howard (SHAREPOINT)</DisplayName>
-        <AccountId>27</AccountId>
-        <AccountType/>
-      </UserInfo>
-    </SharedWithUsers>
-  </documentManagement>
-</p:properties>
-</file>
-
-<file path=customXml/item2.xml><?xml version="1.0" encoding="utf-8"?>
 <ct:contentTypeSchema xmlns:ct="http://schemas.microsoft.com/office/2006/metadata/contentType" xmlns:ma="http://schemas.microsoft.com/office/2006/metadata/properties/metaAttributes" ct:_="" ma:_="" ma:contentTypeName="Document" ma:contentTypeID="0x010100A2E4C90AA7333249A7DBC8CC6F49919B" ma:contentTypeVersion="1" ma:contentTypeDescription="Create a new document." ma:contentTypeScope="" ma:versionID="e7b09f0f38d7ed30c7da14951e97abcc">
   <xsd:schema xmlns:xsd="http://www.w3.org/2001/XMLSchema" xmlns:xs="http://www.w3.org/2001/XMLSchema" xmlns:p="http://schemas.microsoft.com/office/2006/metadata/properties" xmlns:ns2="5fad15d0-477e-40da-a20d-40d4ca777cbd" targetNamespace="http://schemas.microsoft.com/office/2006/metadata/properties" ma:root="true" ma:fieldsID="0cee24db179c30c5ebec40b677cadf70" ns2:_="">
     <xsd:import namespace="5fad15d0-477e-40da-a20d-40d4ca777cbd"/>
@@ -29239,6 +29192,45 @@
 </ct:contentTypeSchema>
 </file>
 
+<file path=customXml/item2.xml><?xml version="1.0" encoding="utf-8"?>
+<p:properties xmlns:p="http://schemas.microsoft.com/office/2006/metadata/properties" xmlns:xsi="http://www.w3.org/2001/XMLSchema-instance" xmlns:pc="http://schemas.microsoft.com/office/infopath/2007/PartnerControls">
+  <documentManagement>
+    <SharedWithUsers xmlns="5fad15d0-477e-40da-a20d-40d4ca777cbd">
+      <UserInfo>
+        <DisplayName>Steve Walker</DisplayName>
+        <AccountId>30</AccountId>
+        <AccountType/>
+      </UserInfo>
+      <UserInfo>
+        <DisplayName>Alyssa Jones</DisplayName>
+        <AccountId>290</AccountId>
+        <AccountType/>
+      </UserInfo>
+      <UserInfo>
+        <DisplayName>Chakkaradeep (Chaks) Chinnakonda Chandran</DisplayName>
+        <AccountId>285</AccountId>
+        <AccountType/>
+      </UserInfo>
+      <UserInfo>
+        <DisplayName>Brian Jones (OFFICE)</DisplayName>
+        <AccountId>15</AccountId>
+        <AccountType/>
+      </UserInfo>
+      <UserInfo>
+        <DisplayName>Sine Rix</DisplayName>
+        <AccountId>305</AccountId>
+        <AccountType/>
+      </UserInfo>
+      <UserInfo>
+        <DisplayName>Rob Howard (SHAREPOINT)</DisplayName>
+        <AccountId>27</AccountId>
+        <AccountType/>
+      </UserInfo>
+    </SharedWithUsers>
+  </documentManagement>
+</p:properties>
+</file>
+
 <file path=customXml/item3.xml><?xml version="1.0" encoding="utf-8"?>
 <?mso-contentType ?>
 <FormTemplates xmlns="http://schemas.microsoft.com/sharepoint/v3/contenttype/forms">
@@ -29249,22 +29241,6 @@
 </file>
 
 <file path=customXml/itemProps1.xml><?xml version="1.0" encoding="utf-8"?>
-<ds:datastoreItem xmlns:ds="http://schemas.openxmlformats.org/officeDocument/2006/customXml" ds:itemID="{F990F116-B58F-4255-B05B-DA3808E0E5C6}">
-  <ds:schemaRefs>
-    <ds:schemaRef ds:uri="http://purl.org/dc/elements/1.1/"/>
-    <ds:schemaRef ds:uri="http://schemas.microsoft.com/office/2006/documentManagement/types"/>
-    <ds:schemaRef ds:uri="http://purl.org/dc/terms/"/>
-    <ds:schemaRef ds:uri="5fad15d0-477e-40da-a20d-40d4ca777cbd"/>
-    <ds:schemaRef ds:uri="http://purl.org/dc/dcmitype/"/>
-    <ds:schemaRef ds:uri="http://schemas.microsoft.com/office/infopath/2007/PartnerControls"/>
-    <ds:schemaRef ds:uri="http://schemas.openxmlformats.org/package/2006/metadata/core-properties"/>
-    <ds:schemaRef ds:uri="http://schemas.microsoft.com/office/2006/metadata/properties"/>
-    <ds:schemaRef ds:uri="http://www.w3.org/XML/1998/namespace"/>
-  </ds:schemaRefs>
-</ds:datastoreItem>
-</file>
-
-<file path=customXml/itemProps2.xml><?xml version="1.0" encoding="utf-8"?>
 <ds:datastoreItem xmlns:ds="http://schemas.openxmlformats.org/officeDocument/2006/customXml" ds:itemID="{3E26BE3D-D44C-4CB8-A2DB-E695B51F895A}">
   <ds:schemaRefs>
     <ds:schemaRef ds:uri="http://schemas.microsoft.com/office/2006/metadata/contentType"/>
@@ -29282,6 +29258,22 @@
 </ds:datastoreItem>
 </file>
 
+<file path=customXml/itemProps2.xml><?xml version="1.0" encoding="utf-8"?>
+<ds:datastoreItem xmlns:ds="http://schemas.openxmlformats.org/officeDocument/2006/customXml" ds:itemID="{F990F116-B58F-4255-B05B-DA3808E0E5C6}">
+  <ds:schemaRefs>
+    <ds:schemaRef ds:uri="http://purl.org/dc/elements/1.1/"/>
+    <ds:schemaRef ds:uri="http://schemas.microsoft.com/office/2006/documentManagement/types"/>
+    <ds:schemaRef ds:uri="http://purl.org/dc/terms/"/>
+    <ds:schemaRef ds:uri="5fad15d0-477e-40da-a20d-40d4ca777cbd"/>
+    <ds:schemaRef ds:uri="http://purl.org/dc/dcmitype/"/>
+    <ds:schemaRef ds:uri="http://schemas.microsoft.com/office/infopath/2007/PartnerControls"/>
+    <ds:schemaRef ds:uri="http://schemas.openxmlformats.org/package/2006/metadata/core-properties"/>
+    <ds:schemaRef ds:uri="http://schemas.microsoft.com/office/2006/metadata/properties"/>
+    <ds:schemaRef ds:uri="http://www.w3.org/XML/1998/namespace"/>
+  </ds:schemaRefs>
+</ds:datastoreItem>
+</file>
+
 <file path=customXml/itemProps3.xml><?xml version="1.0" encoding="utf-8"?>
 <ds:datastoreItem xmlns:ds="http://schemas.openxmlformats.org/officeDocument/2006/customXml" ds:itemID="{758FDAC0-319D-4A54-8D8E-1D42CB1F8004}">
   <ds:schemaRefs>
